--- a/Documents/EmotionalRecognitionPoster.pptx
+++ b/Documents/EmotionalRecognitionPoster.pptx
@@ -136,7 +136,7 @@
   </p:defaultTextStyle>
   <p:extLst>
     <p:ext uri="{EFAFB233-063F-42B5-8137-9DF3F51BA10A}">
-      <p15:sldGuideLst xmlns:p15="http://schemas.microsoft.com/office/powerpoint/2012/main" xmlns="">
+      <p15:sldGuideLst xmlns="" xmlns:p15="http://schemas.microsoft.com/office/powerpoint/2012/main">
         <p15:guide id="1" orient="horz" pos="5670" userDrawn="1">
           <p15:clr>
             <a:srgbClr val="A4A3A4"/>
@@ -351,7 +351,7 @@
     </p:spTree>
     <p:extLst>
       <p:ext uri="{BB962C8B-B14F-4D97-AF65-F5344CB8AC3E}">
-        <p14:creationId xmlns:p14="http://schemas.microsoft.com/office/powerpoint/2010/main" xmlns="" val="382079818"/>
+        <p14:creationId xmlns="" xmlns:p14="http://schemas.microsoft.com/office/powerpoint/2010/main" val="382079818"/>
       </p:ext>
     </p:extLst>
   </p:cSld>
@@ -541,7 +541,7 @@
     </p:spTree>
     <p:extLst>
       <p:ext uri="{BB962C8B-B14F-4D97-AF65-F5344CB8AC3E}">
-        <p14:creationId xmlns:p14="http://schemas.microsoft.com/office/powerpoint/2010/main" xmlns="" val="3550681264"/>
+        <p14:creationId xmlns="" xmlns:p14="http://schemas.microsoft.com/office/powerpoint/2010/main" val="3550681264"/>
       </p:ext>
     </p:extLst>
   </p:cSld>
@@ -741,7 +741,7 @@
     </p:spTree>
     <p:extLst>
       <p:ext uri="{BB962C8B-B14F-4D97-AF65-F5344CB8AC3E}">
-        <p14:creationId xmlns:p14="http://schemas.microsoft.com/office/powerpoint/2010/main" xmlns="" val="1078380893"/>
+        <p14:creationId xmlns="" xmlns:p14="http://schemas.microsoft.com/office/powerpoint/2010/main" val="1078380893"/>
       </p:ext>
     </p:extLst>
   </p:cSld>
@@ -931,7 +931,7 @@
     </p:spTree>
     <p:extLst>
       <p:ext uri="{BB962C8B-B14F-4D97-AF65-F5344CB8AC3E}">
-        <p14:creationId xmlns:p14="http://schemas.microsoft.com/office/powerpoint/2010/main" xmlns="" val="948110802"/>
+        <p14:creationId xmlns="" xmlns:p14="http://schemas.microsoft.com/office/powerpoint/2010/main" val="948110802"/>
       </p:ext>
     </p:extLst>
   </p:cSld>
@@ -1143,7 +1143,7 @@
     </p:spTree>
     <p:extLst>
       <p:ext uri="{BB962C8B-B14F-4D97-AF65-F5344CB8AC3E}">
-        <p14:creationId xmlns:p14="http://schemas.microsoft.com/office/powerpoint/2010/main" xmlns="" val="2296229813"/>
+        <p14:creationId xmlns="" xmlns:p14="http://schemas.microsoft.com/office/powerpoint/2010/main" val="2296229813"/>
       </p:ext>
     </p:extLst>
   </p:cSld>
@@ -1451,7 +1451,7 @@
     </p:spTree>
     <p:extLst>
       <p:ext uri="{BB962C8B-B14F-4D97-AF65-F5344CB8AC3E}">
-        <p14:creationId xmlns:p14="http://schemas.microsoft.com/office/powerpoint/2010/main" xmlns="" val="358402869"/>
+        <p14:creationId xmlns="" xmlns:p14="http://schemas.microsoft.com/office/powerpoint/2010/main" val="358402869"/>
       </p:ext>
     </p:extLst>
   </p:cSld>
@@ -1898,7 +1898,7 @@
     </p:spTree>
     <p:extLst>
       <p:ext uri="{BB962C8B-B14F-4D97-AF65-F5344CB8AC3E}">
-        <p14:creationId xmlns:p14="http://schemas.microsoft.com/office/powerpoint/2010/main" xmlns="" val="3772122452"/>
+        <p14:creationId xmlns="" xmlns:p14="http://schemas.microsoft.com/office/powerpoint/2010/main" val="3772122452"/>
       </p:ext>
     </p:extLst>
   </p:cSld>
@@ -2036,7 +2036,7 @@
     </p:spTree>
     <p:extLst>
       <p:ext uri="{BB962C8B-B14F-4D97-AF65-F5344CB8AC3E}">
-        <p14:creationId xmlns:p14="http://schemas.microsoft.com/office/powerpoint/2010/main" xmlns="" val="1171472642"/>
+        <p14:creationId xmlns="" xmlns:p14="http://schemas.microsoft.com/office/powerpoint/2010/main" val="1171472642"/>
       </p:ext>
     </p:extLst>
   </p:cSld>
@@ -2151,7 +2151,7 @@
     </p:spTree>
     <p:extLst>
       <p:ext uri="{BB962C8B-B14F-4D97-AF65-F5344CB8AC3E}">
-        <p14:creationId xmlns:p14="http://schemas.microsoft.com/office/powerpoint/2010/main" xmlns="" val="3850966761"/>
+        <p14:creationId xmlns="" xmlns:p14="http://schemas.microsoft.com/office/powerpoint/2010/main" val="3850966761"/>
       </p:ext>
     </p:extLst>
   </p:cSld>
@@ -2448,7 +2448,7 @@
     </p:spTree>
     <p:extLst>
       <p:ext uri="{BB962C8B-B14F-4D97-AF65-F5344CB8AC3E}">
-        <p14:creationId xmlns:p14="http://schemas.microsoft.com/office/powerpoint/2010/main" xmlns="" val="409043663"/>
+        <p14:creationId xmlns="" xmlns:p14="http://schemas.microsoft.com/office/powerpoint/2010/main" val="409043663"/>
       </p:ext>
     </p:extLst>
   </p:cSld>
@@ -2722,7 +2722,7 @@
     </p:spTree>
     <p:extLst>
       <p:ext uri="{BB962C8B-B14F-4D97-AF65-F5344CB8AC3E}">
-        <p14:creationId xmlns:p14="http://schemas.microsoft.com/office/powerpoint/2010/main" xmlns="" val="440950294"/>
+        <p14:creationId xmlns="" xmlns:p14="http://schemas.microsoft.com/office/powerpoint/2010/main" val="440950294"/>
       </p:ext>
     </p:extLst>
   </p:cSld>
@@ -2782,14 +2782,14 @@
           <a:effectLst/>
           <a:extLst>
             <a:ext uri="{909E8E84-426E-40DD-AFC4-6F175D3DCCD1}">
-              <a14:hiddenFill xmlns:a14="http://schemas.microsoft.com/office/drawing/2010/main" xmlns="">
+              <a14:hiddenFill xmlns="" xmlns:a14="http://schemas.microsoft.com/office/drawing/2010/main">
                 <a:solidFill>
                   <a:schemeClr val="accent1"/>
                 </a:solidFill>
               </a14:hiddenFill>
             </a:ext>
             <a:ext uri="{91240B29-F687-4F45-9708-019B960494DF}">
-              <a14:hiddenLine xmlns:a14="http://schemas.microsoft.com/office/drawing/2010/main" xmlns="" w="9525">
+              <a14:hiddenLine xmlns="" xmlns:a14="http://schemas.microsoft.com/office/drawing/2010/main" w="9525">
                 <a:solidFill>
                   <a:schemeClr val="tx1"/>
                 </a:solidFill>
@@ -2799,7 +2799,7 @@
               </a14:hiddenLine>
             </a:ext>
             <a:ext uri="{AF507438-7753-43E0-B8FC-AC1667EBCBE1}">
-              <a14:hiddenEffects xmlns:a14="http://schemas.microsoft.com/office/drawing/2010/main" xmlns="">
+              <a14:hiddenEffects xmlns="" xmlns:a14="http://schemas.microsoft.com/office/drawing/2010/main">
                 <a:effectLst>
                   <a:outerShdw dist="35921" dir="2700000" algn="ctr" rotWithShape="0">
                     <a:schemeClr val="bg2"/>
@@ -2850,14 +2850,14 @@
           <a:effectLst/>
           <a:extLst>
             <a:ext uri="{909E8E84-426E-40DD-AFC4-6F175D3DCCD1}">
-              <a14:hiddenFill xmlns:a14="http://schemas.microsoft.com/office/drawing/2010/main" xmlns="">
+              <a14:hiddenFill xmlns="" xmlns:a14="http://schemas.microsoft.com/office/drawing/2010/main">
                 <a:solidFill>
                   <a:schemeClr val="accent1"/>
                 </a:solidFill>
               </a14:hiddenFill>
             </a:ext>
             <a:ext uri="{91240B29-F687-4F45-9708-019B960494DF}">
-              <a14:hiddenLine xmlns:a14="http://schemas.microsoft.com/office/drawing/2010/main" xmlns="" w="9525">
+              <a14:hiddenLine xmlns="" xmlns:a14="http://schemas.microsoft.com/office/drawing/2010/main" w="9525">
                 <a:solidFill>
                   <a:schemeClr val="tx1"/>
                 </a:solidFill>
@@ -2867,7 +2867,7 @@
               </a14:hiddenLine>
             </a:ext>
             <a:ext uri="{AF507438-7753-43E0-B8FC-AC1667EBCBE1}">
-              <a14:hiddenEffects xmlns:a14="http://schemas.microsoft.com/office/drawing/2010/main" xmlns="">
+              <a14:hiddenEffects xmlns="" xmlns:a14="http://schemas.microsoft.com/office/drawing/2010/main">
                 <a:effectLst>
                   <a:outerShdw dist="35921" dir="2700000" algn="ctr" rotWithShape="0">
                     <a:schemeClr val="bg2"/>
@@ -2946,14 +2946,14 @@
           <a:effectLst/>
           <a:extLst>
             <a:ext uri="{909E8E84-426E-40DD-AFC4-6F175D3DCCD1}">
-              <a14:hiddenFill xmlns:a14="http://schemas.microsoft.com/office/drawing/2010/main" xmlns="">
+              <a14:hiddenFill xmlns="" xmlns:a14="http://schemas.microsoft.com/office/drawing/2010/main">
                 <a:solidFill>
                   <a:schemeClr val="accent1"/>
                 </a:solidFill>
               </a14:hiddenFill>
             </a:ext>
             <a:ext uri="{91240B29-F687-4F45-9708-019B960494DF}">
-              <a14:hiddenLine xmlns:a14="http://schemas.microsoft.com/office/drawing/2010/main" xmlns="" w="9525">
+              <a14:hiddenLine xmlns="" xmlns:a14="http://schemas.microsoft.com/office/drawing/2010/main" w="9525">
                 <a:solidFill>
                   <a:schemeClr val="tx1"/>
                 </a:solidFill>
@@ -2963,7 +2963,7 @@
               </a14:hiddenLine>
             </a:ext>
             <a:ext uri="{AF507438-7753-43E0-B8FC-AC1667EBCBE1}">
-              <a14:hiddenEffects xmlns:a14="http://schemas.microsoft.com/office/drawing/2010/main" xmlns="">
+              <a14:hiddenEffects xmlns="" xmlns:a14="http://schemas.microsoft.com/office/drawing/2010/main">
                 <a:effectLst>
                   <a:outerShdw dist="35921" dir="2700000" algn="ctr" rotWithShape="0">
                     <a:schemeClr val="bg2"/>
@@ -3017,14 +3017,14 @@
           <a:effectLst/>
           <a:extLst>
             <a:ext uri="{909E8E84-426E-40DD-AFC4-6F175D3DCCD1}">
-              <a14:hiddenFill xmlns:a14="http://schemas.microsoft.com/office/drawing/2010/main" xmlns="">
+              <a14:hiddenFill xmlns="" xmlns:a14="http://schemas.microsoft.com/office/drawing/2010/main">
                 <a:solidFill>
                   <a:schemeClr val="accent1"/>
                 </a:solidFill>
               </a14:hiddenFill>
             </a:ext>
             <a:ext uri="{91240B29-F687-4F45-9708-019B960494DF}">
-              <a14:hiddenLine xmlns:a14="http://schemas.microsoft.com/office/drawing/2010/main" xmlns="" w="9525">
+              <a14:hiddenLine xmlns="" xmlns:a14="http://schemas.microsoft.com/office/drawing/2010/main" w="9525">
                 <a:solidFill>
                   <a:schemeClr val="tx1"/>
                 </a:solidFill>
@@ -3034,7 +3034,7 @@
               </a14:hiddenLine>
             </a:ext>
             <a:ext uri="{AF507438-7753-43E0-B8FC-AC1667EBCBE1}">
-              <a14:hiddenEffects xmlns:a14="http://schemas.microsoft.com/office/drawing/2010/main" xmlns="">
+              <a14:hiddenEffects xmlns="" xmlns:a14="http://schemas.microsoft.com/office/drawing/2010/main">
                 <a:effectLst>
                   <a:outerShdw dist="35921" dir="2700000" algn="ctr" rotWithShape="0">
                     <a:schemeClr val="bg2"/>
@@ -3088,14 +3088,14 @@
           <a:effectLst/>
           <a:extLst>
             <a:ext uri="{909E8E84-426E-40DD-AFC4-6F175D3DCCD1}">
-              <a14:hiddenFill xmlns:a14="http://schemas.microsoft.com/office/drawing/2010/main" xmlns="">
+              <a14:hiddenFill xmlns="" xmlns:a14="http://schemas.microsoft.com/office/drawing/2010/main">
                 <a:solidFill>
                   <a:schemeClr val="accent1"/>
                 </a:solidFill>
               </a14:hiddenFill>
             </a:ext>
             <a:ext uri="{91240B29-F687-4F45-9708-019B960494DF}">
-              <a14:hiddenLine xmlns:a14="http://schemas.microsoft.com/office/drawing/2010/main" xmlns="" w="9525">
+              <a14:hiddenLine xmlns="" xmlns:a14="http://schemas.microsoft.com/office/drawing/2010/main" w="9525">
                 <a:solidFill>
                   <a:schemeClr val="tx1"/>
                 </a:solidFill>
@@ -3105,7 +3105,7 @@
               </a14:hiddenLine>
             </a:ext>
             <a:ext uri="{AF507438-7753-43E0-B8FC-AC1667EBCBE1}">
-              <a14:hiddenEffects xmlns:a14="http://schemas.microsoft.com/office/drawing/2010/main" xmlns="">
+              <a14:hiddenEffects xmlns="" xmlns:a14="http://schemas.microsoft.com/office/drawing/2010/main">
                 <a:effectLst>
                   <a:outerShdw dist="35921" dir="2700000" algn="ctr" rotWithShape="0">
                     <a:schemeClr val="bg2"/>
@@ -3908,14 +3908,14 @@
           <a:effectLst/>
           <a:extLst>
             <a:ext uri="{909E8E84-426E-40DD-AFC4-6F175D3DCCD1}">
-              <a14:hiddenFill xmlns:a14="http://schemas.microsoft.com/office/drawing/2010/main" xmlns="">
+              <a14:hiddenFill xmlns="" xmlns:a14="http://schemas.microsoft.com/office/drawing/2010/main">
                 <a:solidFill>
                   <a:schemeClr val="accent1"/>
                 </a:solidFill>
               </a14:hiddenFill>
             </a:ext>
             <a:ext uri="{91240B29-F687-4F45-9708-019B960494DF}">
-              <a14:hiddenLine xmlns:a14="http://schemas.microsoft.com/office/drawing/2010/main" xmlns="" w="9525">
+              <a14:hiddenLine xmlns="" xmlns:a14="http://schemas.microsoft.com/office/drawing/2010/main" w="9525">
                 <a:solidFill>
                   <a:schemeClr val="tx1"/>
                 </a:solidFill>
@@ -3925,7 +3925,7 @@
               </a14:hiddenLine>
             </a:ext>
             <a:ext uri="{AF507438-7753-43E0-B8FC-AC1667EBCBE1}">
-              <a14:hiddenEffects xmlns:a14="http://schemas.microsoft.com/office/drawing/2010/main" xmlns="">
+              <a14:hiddenEffects xmlns="" xmlns:a14="http://schemas.microsoft.com/office/drawing/2010/main">
                 <a:effectLst>
                   <a:outerShdw dist="35921" dir="2700000" algn="ctr" rotWithShape="0">
                     <a:schemeClr val="bg2"/>
@@ -4258,7 +4258,7 @@
             </a:clrChange>
             <a:extLst>
               <a:ext uri="{28A0092B-C50C-407E-A947-70E740481C1C}">
-                <a14:useLocalDpi xmlns:a14="http://schemas.microsoft.com/office/drawing/2010/main" xmlns="" val="0"/>
+                <a14:useLocalDpi xmlns="" xmlns:a14="http://schemas.microsoft.com/office/drawing/2010/main" val="0"/>
               </a:ext>
             </a:extLst>
           </a:blip>
@@ -4299,14 +4299,14 @@
           <a:effectLst/>
           <a:extLst>
             <a:ext uri="{909E8E84-426E-40DD-AFC4-6F175D3DCCD1}">
-              <a14:hiddenFill xmlns:a14="http://schemas.microsoft.com/office/drawing/2010/main" xmlns="">
+              <a14:hiddenFill xmlns="" xmlns:a14="http://schemas.microsoft.com/office/drawing/2010/main">
                 <a:solidFill>
                   <a:schemeClr val="accent1"/>
                 </a:solidFill>
               </a14:hiddenFill>
             </a:ext>
             <a:ext uri="{91240B29-F687-4F45-9708-019B960494DF}">
-              <a14:hiddenLine xmlns:a14="http://schemas.microsoft.com/office/drawing/2010/main" xmlns="" w="9525">
+              <a14:hiddenLine xmlns="" xmlns:a14="http://schemas.microsoft.com/office/drawing/2010/main" w="9525">
                 <a:solidFill>
                   <a:schemeClr val="tx1"/>
                 </a:solidFill>
@@ -4316,7 +4316,7 @@
               </a14:hiddenLine>
             </a:ext>
             <a:ext uri="{AF507438-7753-43E0-B8FC-AC1667EBCBE1}">
-              <a14:hiddenEffects xmlns:a14="http://schemas.microsoft.com/office/drawing/2010/main" xmlns="">
+              <a14:hiddenEffects xmlns="" xmlns:a14="http://schemas.microsoft.com/office/drawing/2010/main">
                 <a:effectLst>
                   <a:outerShdw dist="35921" dir="2700000" algn="ctr" rotWithShape="0">
                     <a:schemeClr val="bg2"/>
@@ -4459,8 +4459,15 @@
                 <a:latin typeface="Tahoma" pitchFamily="34" charset="0"/>
                 <a:cs typeface="Tahoma" pitchFamily="34" charset="0"/>
               </a:rPr>
-              <a:t>We </a:t>
-            </a:r>
+              <a:t>We want to use emotion recognition to “guess” what a client wants to listen to – in order to improve the user experience and to lessen the “next” button pushes.</a:t>
+            </a:r>
+          </a:p>
+          <a:p>
+            <a:pPr algn="ctr" eaLnBrk="1" hangingPunct="1">
+              <a:spcBef>
+                <a:spcPct val="50000"/>
+              </a:spcBef>
+            </a:pPr>
             <a:r>
               <a:rPr lang="en-US" sz="2000" dirty="0" smtClean="0">
                 <a:solidFill>
@@ -4469,44 +4476,7 @@
                 <a:latin typeface="Tahoma" pitchFamily="34" charset="0"/>
                 <a:cs typeface="Tahoma" pitchFamily="34" charset="0"/>
               </a:rPr>
-              <a:t>want to use emotion recognition to “guess” what a client wants to listen to – in order to improve the user experience and to lessen the “next” button pushes.</a:t>
-            </a:r>
-          </a:p>
-          <a:p>
-            <a:pPr algn="ctr" eaLnBrk="1" hangingPunct="1">
-              <a:spcBef>
-                <a:spcPct val="50000"/>
-              </a:spcBef>
-            </a:pPr>
-            <a:r>
-              <a:rPr lang="en-US" sz="2000" dirty="0" smtClean="0">
-                <a:solidFill>
-                  <a:srgbClr val="006699"/>
-                </a:solidFill>
-                <a:latin typeface="Tahoma" pitchFamily="34" charset="0"/>
-                <a:cs typeface="Tahoma" pitchFamily="34" charset="0"/>
-              </a:rPr>
-              <a:t>In order to do that, we need to music application to process </a:t>
-            </a:r>
-            <a:r>
-              <a:rPr lang="en-US" sz="2000" dirty="0" smtClean="0">
-                <a:solidFill>
-                  <a:srgbClr val="006699"/>
-                </a:solidFill>
-                <a:latin typeface="Tahoma" pitchFamily="34" charset="0"/>
-                <a:cs typeface="Tahoma" pitchFamily="34" charset="0"/>
-              </a:rPr>
-              <a:t>frames of the listener’s face </a:t>
-            </a:r>
-            <a:r>
-              <a:rPr lang="en-US" sz="2000" dirty="0" smtClean="0">
-                <a:solidFill>
-                  <a:srgbClr val="006699"/>
-                </a:solidFill>
-                <a:latin typeface="Tahoma" pitchFamily="34" charset="0"/>
-                <a:cs typeface="Tahoma" pitchFamily="34" charset="0"/>
-              </a:rPr>
-              <a:t>and make decisions in Real-Time.</a:t>
+              <a:t>In order to do that, we need to music application to process frames of the listener’s face and make decisions in Real-Time.</a:t>
             </a:r>
             <a:endParaRPr lang="en-US" sz="2000" dirty="0">
               <a:solidFill>
@@ -4541,14 +4511,14 @@
           <a:effectLst/>
           <a:extLst>
             <a:ext uri="{909E8E84-426E-40DD-AFC4-6F175D3DCCD1}">
-              <a14:hiddenFill xmlns:a14="http://schemas.microsoft.com/office/drawing/2010/main" xmlns="">
+              <a14:hiddenFill xmlns="" xmlns:a14="http://schemas.microsoft.com/office/drawing/2010/main">
                 <a:solidFill>
                   <a:schemeClr val="accent1"/>
                 </a:solidFill>
               </a14:hiddenFill>
             </a:ext>
             <a:ext uri="{91240B29-F687-4F45-9708-019B960494DF}">
-              <a14:hiddenLine xmlns:a14="http://schemas.microsoft.com/office/drawing/2010/main" xmlns="" w="9525">
+              <a14:hiddenLine xmlns="" xmlns:a14="http://schemas.microsoft.com/office/drawing/2010/main" w="9525">
                 <a:solidFill>
                   <a:schemeClr val="tx1"/>
                 </a:solidFill>
@@ -4558,7 +4528,7 @@
               </a14:hiddenLine>
             </a:ext>
             <a:ext uri="{AF507438-7753-43E0-B8FC-AC1667EBCBE1}">
-              <a14:hiddenEffects xmlns:a14="http://schemas.microsoft.com/office/drawing/2010/main" xmlns="">
+              <a14:hiddenEffects xmlns="" xmlns:a14="http://schemas.microsoft.com/office/drawing/2010/main">
                 <a:effectLst>
                   <a:outerShdw dist="35921" dir="2700000" algn="ctr" rotWithShape="0">
                     <a:schemeClr val="bg2"/>
@@ -4720,13 +4690,6 @@
               </a:rPr>
               <a:t>In order to do that the application learns at firsts the neutral face of the user – and only that it can start working.</a:t>
             </a:r>
-            <a:endParaRPr lang="en-US" sz="2000" dirty="0" smtClean="0">
-              <a:solidFill>
-                <a:srgbClr val="006699"/>
-              </a:solidFill>
-              <a:latin typeface="Tahoma" pitchFamily="34" charset="0"/>
-              <a:cs typeface="Tahoma" pitchFamily="34" charset="0"/>
-            </a:endParaRPr>
           </a:p>
         </p:txBody>
       </p:sp>
@@ -4753,14 +4716,14 @@
           <a:effectLst/>
           <a:extLst>
             <a:ext uri="{909E8E84-426E-40DD-AFC4-6F175D3DCCD1}">
-              <a14:hiddenFill xmlns:a14="http://schemas.microsoft.com/office/drawing/2010/main" xmlns="">
+              <a14:hiddenFill xmlns="" xmlns:a14="http://schemas.microsoft.com/office/drawing/2010/main">
                 <a:solidFill>
                   <a:schemeClr val="accent1"/>
                 </a:solidFill>
               </a14:hiddenFill>
             </a:ext>
             <a:ext uri="{91240B29-F687-4F45-9708-019B960494DF}">
-              <a14:hiddenLine xmlns:a14="http://schemas.microsoft.com/office/drawing/2010/main" xmlns="" w="9525">
+              <a14:hiddenLine xmlns="" xmlns:a14="http://schemas.microsoft.com/office/drawing/2010/main" w="9525">
                 <a:solidFill>
                   <a:schemeClr val="tx1"/>
                 </a:solidFill>
@@ -4770,7 +4733,7 @@
               </a14:hiddenLine>
             </a:ext>
             <a:ext uri="{AF507438-7753-43E0-B8FC-AC1667EBCBE1}">
-              <a14:hiddenEffects xmlns:a14="http://schemas.microsoft.com/office/drawing/2010/main" xmlns="">
+              <a14:hiddenEffects xmlns="" xmlns:a14="http://schemas.microsoft.com/office/drawing/2010/main">
                 <a:effectLst>
                   <a:outerShdw dist="35921" dir="2700000" algn="ctr" rotWithShape="0">
                     <a:schemeClr val="bg2"/>
@@ -4927,8 +4890,15 @@
                 <a:latin typeface="Tahoma" pitchFamily="34" charset="0"/>
                 <a:cs typeface="Tahoma" pitchFamily="34" charset="0"/>
               </a:rPr>
-              <a:t>In </a:t>
-            </a:r>
+              <a:t>In order to be analyzed, images need to be preprocessed –</a:t>
+            </a:r>
+          </a:p>
+          <a:p>
+            <a:pPr lvl="1" algn="just" eaLnBrk="1" hangingPunct="1">
+              <a:spcBef>
+                <a:spcPts val="0"/>
+              </a:spcBef>
+            </a:pPr>
             <a:r>
               <a:rPr lang="en-US" sz="2000" dirty="0" smtClean="0">
                 <a:solidFill>
@@ -4937,8 +4907,15 @@
                 <a:latin typeface="Tahoma" pitchFamily="34" charset="0"/>
                 <a:cs typeface="Tahoma" pitchFamily="34" charset="0"/>
               </a:rPr>
-              <a:t>order to be analyzed, images need to be </a:t>
-            </a:r>
+              <a:t> Resizing &amp; changing to gray scale. Then we find face </a:t>
+            </a:r>
+          </a:p>
+          <a:p>
+            <a:pPr lvl="1" algn="just" eaLnBrk="1" hangingPunct="1">
+              <a:spcBef>
+                <a:spcPts val="0"/>
+              </a:spcBef>
+            </a:pPr>
             <a:r>
               <a:rPr lang="en-US" sz="2000" dirty="0" smtClean="0">
                 <a:solidFill>
@@ -4947,138 +4924,7 @@
                 <a:latin typeface="Tahoma" pitchFamily="34" charset="0"/>
                 <a:cs typeface="Tahoma" pitchFamily="34" charset="0"/>
               </a:rPr>
-              <a:t>preprocessed –</a:t>
-            </a:r>
-          </a:p>
-          <a:p>
-            <a:pPr lvl="1" algn="just" eaLnBrk="1" hangingPunct="1">
-              <a:spcBef>
-                <a:spcPts val="0"/>
-              </a:spcBef>
-            </a:pPr>
-            <a:r>
-              <a:rPr lang="en-US" sz="2000" dirty="0" smtClean="0">
-                <a:solidFill>
-                  <a:srgbClr val="006699"/>
-                </a:solidFill>
-                <a:latin typeface="Tahoma" pitchFamily="34" charset="0"/>
-                <a:cs typeface="Tahoma" pitchFamily="34" charset="0"/>
-              </a:rPr>
-              <a:t> Resizing &amp; changing </a:t>
-            </a:r>
-            <a:r>
-              <a:rPr lang="en-US" sz="2000" dirty="0" smtClean="0">
-                <a:solidFill>
-                  <a:srgbClr val="006699"/>
-                </a:solidFill>
-                <a:latin typeface="Tahoma" pitchFamily="34" charset="0"/>
-                <a:cs typeface="Tahoma" pitchFamily="34" charset="0"/>
-              </a:rPr>
-              <a:t>to gray </a:t>
-            </a:r>
-            <a:r>
-              <a:rPr lang="en-US" sz="2000" dirty="0" smtClean="0">
-                <a:solidFill>
-                  <a:srgbClr val="006699"/>
-                </a:solidFill>
-                <a:latin typeface="Tahoma" pitchFamily="34" charset="0"/>
-                <a:cs typeface="Tahoma" pitchFamily="34" charset="0"/>
-              </a:rPr>
-              <a:t>scale. Then we find </a:t>
-            </a:r>
-            <a:r>
-              <a:rPr lang="en-US" sz="2000" dirty="0" smtClean="0">
-                <a:solidFill>
-                  <a:srgbClr val="006699"/>
-                </a:solidFill>
-                <a:latin typeface="Tahoma" pitchFamily="34" charset="0"/>
-                <a:cs typeface="Tahoma" pitchFamily="34" charset="0"/>
-              </a:rPr>
-              <a:t>face </a:t>
-            </a:r>
-            <a:endParaRPr lang="en-US" sz="2000" dirty="0" smtClean="0">
-              <a:solidFill>
-                <a:srgbClr val="006699"/>
-              </a:solidFill>
-              <a:latin typeface="Tahoma" pitchFamily="34" charset="0"/>
-              <a:cs typeface="Tahoma" pitchFamily="34" charset="0"/>
-            </a:endParaRPr>
-          </a:p>
-          <a:p>
-            <a:pPr lvl="1" algn="just" eaLnBrk="1" hangingPunct="1">
-              <a:spcBef>
-                <a:spcPts val="0"/>
-              </a:spcBef>
-            </a:pPr>
-            <a:r>
-              <a:rPr lang="en-US" sz="2000" dirty="0" smtClean="0">
-                <a:solidFill>
-                  <a:srgbClr val="006699"/>
-                </a:solidFill>
-                <a:latin typeface="Tahoma" pitchFamily="34" charset="0"/>
-                <a:cs typeface="Tahoma" pitchFamily="34" charset="0"/>
-              </a:rPr>
-              <a:t>borders </a:t>
-            </a:r>
-            <a:r>
-              <a:rPr lang="en-US" sz="2000" dirty="0" smtClean="0">
-                <a:solidFill>
-                  <a:srgbClr val="006699"/>
-                </a:solidFill>
-                <a:latin typeface="Tahoma" pitchFamily="34" charset="0"/>
-                <a:cs typeface="Tahoma" pitchFamily="34" charset="0"/>
-              </a:rPr>
-              <a:t>and </a:t>
-            </a:r>
-            <a:r>
-              <a:rPr lang="en-US" sz="2000" dirty="0" smtClean="0">
-                <a:solidFill>
-                  <a:srgbClr val="006699"/>
-                </a:solidFill>
-                <a:latin typeface="Tahoma" pitchFamily="34" charset="0"/>
-                <a:cs typeface="Tahoma" pitchFamily="34" charset="0"/>
-              </a:rPr>
-              <a:t>68 </a:t>
-            </a:r>
-            <a:r>
-              <a:rPr lang="en-US" sz="2000" dirty="0" smtClean="0">
-                <a:solidFill>
-                  <a:srgbClr val="006699"/>
-                </a:solidFill>
-                <a:latin typeface="Tahoma" pitchFamily="34" charset="0"/>
-                <a:cs typeface="Tahoma" pitchFamily="34" charset="0"/>
-              </a:rPr>
-              <a:t>landmarks </a:t>
-            </a:r>
-            <a:r>
-              <a:rPr lang="en-US" sz="2000" dirty="0" smtClean="0">
-                <a:solidFill>
-                  <a:srgbClr val="006699"/>
-                </a:solidFill>
-                <a:latin typeface="Tahoma" pitchFamily="34" charset="0"/>
-                <a:cs typeface="Tahoma" pitchFamily="34" charset="0"/>
-              </a:rPr>
-              <a:t>(</a:t>
-            </a:r>
-            <a:r>
-              <a:rPr lang="en-US" sz="2000" dirty="0" smtClean="0">
-                <a:solidFill>
-                  <a:srgbClr val="006699"/>
-                </a:solidFill>
-                <a:latin typeface="Tahoma" pitchFamily="34" charset="0"/>
-                <a:cs typeface="Tahoma" pitchFamily="34" charset="0"/>
-              </a:rPr>
-              <a:t>with trained NN from </a:t>
-            </a:r>
-            <a:r>
-              <a:rPr lang="en-US" sz="2000" dirty="0" smtClean="0">
-                <a:solidFill>
-                  <a:srgbClr val="006699"/>
-                </a:solidFill>
-                <a:latin typeface="Tahoma" pitchFamily="34" charset="0"/>
-                <a:cs typeface="Tahoma" pitchFamily="34" charset="0"/>
-              </a:rPr>
-              <a:t>DLIB </a:t>
+              <a:t>borders and 68 landmarks (with trained NN from DLIB </a:t>
             </a:r>
             <a:r>
               <a:rPr lang="en-US" sz="2000" dirty="0" err="1" smtClean="0">
@@ -5100,13 +4946,6 @@
               </a:rPr>
               <a:t>) </a:t>
             </a:r>
-            <a:endParaRPr lang="en-US" sz="2000" dirty="0" smtClean="0">
-              <a:solidFill>
-                <a:srgbClr val="006699"/>
-              </a:solidFill>
-              <a:latin typeface="Tahoma" pitchFamily="34" charset="0"/>
-              <a:cs typeface="Tahoma" pitchFamily="34" charset="0"/>
-            </a:endParaRPr>
           </a:p>
           <a:p>
             <a:pPr marL="342900" indent="-342900" algn="ctr" eaLnBrk="1" hangingPunct="1">
@@ -5149,14 +4988,14 @@
           <a:effectLst/>
           <a:extLst>
             <a:ext uri="{909E8E84-426E-40DD-AFC4-6F175D3DCCD1}">
-              <a14:hiddenFill xmlns:a14="http://schemas.microsoft.com/office/drawing/2010/main" xmlns="">
+              <a14:hiddenFill xmlns="" xmlns:a14="http://schemas.microsoft.com/office/drawing/2010/main">
                 <a:solidFill>
                   <a:schemeClr val="accent1"/>
                 </a:solidFill>
               </a14:hiddenFill>
             </a:ext>
             <a:ext uri="{91240B29-F687-4F45-9708-019B960494DF}">
-              <a14:hiddenLine xmlns:a14="http://schemas.microsoft.com/office/drawing/2010/main" xmlns="" w="9525">
+              <a14:hiddenLine xmlns="" xmlns:a14="http://schemas.microsoft.com/office/drawing/2010/main" w="9525">
                 <a:solidFill>
                   <a:schemeClr val="tx1"/>
                 </a:solidFill>
@@ -5166,7 +5005,7 @@
               </a14:hiddenLine>
             </a:ext>
             <a:ext uri="{AF507438-7753-43E0-B8FC-AC1667EBCBE1}">
-              <a14:hiddenEffects xmlns:a14="http://schemas.microsoft.com/office/drawing/2010/main" xmlns="">
+              <a14:hiddenEffects xmlns="" xmlns:a14="http://schemas.microsoft.com/office/drawing/2010/main">
                 <a:effectLst>
                   <a:outerShdw dist="35921" dir="2700000" algn="ctr" rotWithShape="0">
                     <a:schemeClr val="bg2"/>
@@ -5309,17 +5148,7 @@
                 <a:latin typeface="Tahoma" pitchFamily="34" charset="0"/>
                 <a:cs typeface="Tahoma" pitchFamily="34" charset="0"/>
               </a:rPr>
-              <a:t>Extracting </a:t>
-            </a:r>
-            <a:r>
-              <a:rPr lang="en-US" sz="2918" b="1" dirty="0" smtClean="0">
-                <a:solidFill>
-                  <a:srgbClr val="006699"/>
-                </a:solidFill>
-                <a:latin typeface="Tahoma" pitchFamily="34" charset="0"/>
-                <a:cs typeface="Tahoma" pitchFamily="34" charset="0"/>
-              </a:rPr>
-              <a:t>Features</a:t>
+              <a:t>Extracting Features</a:t>
             </a:r>
           </a:p>
           <a:p>
@@ -5372,13 +5201,6 @@
               </a:rPr>
               <a:t>Predicting emotion</a:t>
             </a:r>
-            <a:endParaRPr lang="en-US" sz="2920" b="1" dirty="0" smtClean="0">
-              <a:solidFill>
-                <a:srgbClr val="006699"/>
-              </a:solidFill>
-              <a:latin typeface="Tahoma" pitchFamily="34" charset="0"/>
-              <a:cs typeface="Tahoma" pitchFamily="34" charset="0"/>
-            </a:endParaRPr>
           </a:p>
           <a:p>
             <a:pPr algn="ctr" eaLnBrk="1" hangingPunct="1">
@@ -5439,14 +5261,14 @@
           <a:effectLst/>
           <a:extLst>
             <a:ext uri="{909E8E84-426E-40DD-AFC4-6F175D3DCCD1}">
-              <a14:hiddenFill xmlns:a14="http://schemas.microsoft.com/office/drawing/2010/main" xmlns="">
+              <a14:hiddenFill xmlns="" xmlns:a14="http://schemas.microsoft.com/office/drawing/2010/main">
                 <a:solidFill>
                   <a:schemeClr val="accent1"/>
                 </a:solidFill>
               </a14:hiddenFill>
             </a:ext>
             <a:ext uri="{91240B29-F687-4F45-9708-019B960494DF}">
-              <a14:hiddenLine xmlns:a14="http://schemas.microsoft.com/office/drawing/2010/main" xmlns="" w="9525">
+              <a14:hiddenLine xmlns="" xmlns:a14="http://schemas.microsoft.com/office/drawing/2010/main" w="9525">
                 <a:solidFill>
                   <a:schemeClr val="tx1"/>
                 </a:solidFill>
@@ -5456,7 +5278,7 @@
               </a14:hiddenLine>
             </a:ext>
             <a:ext uri="{AF507438-7753-43E0-B8FC-AC1667EBCBE1}">
-              <a14:hiddenEffects xmlns:a14="http://schemas.microsoft.com/office/drawing/2010/main" xmlns="">
+              <a14:hiddenEffects xmlns="" xmlns:a14="http://schemas.microsoft.com/office/drawing/2010/main">
                 <a:effectLst>
                   <a:outerShdw dist="35921" dir="2700000" algn="ctr" rotWithShape="0">
                     <a:schemeClr val="bg2"/>
@@ -5582,17 +5404,7 @@
                 <a:latin typeface="Tahoma" pitchFamily="34" charset="0"/>
                 <a:cs typeface="Tahoma" pitchFamily="34" charset="0"/>
               </a:rPr>
-              <a:t>Machine </a:t>
-            </a:r>
-            <a:r>
-              <a:rPr lang="en-US" sz="2918" b="1" dirty="0" smtClean="0">
-                <a:solidFill>
-                  <a:srgbClr val="006699"/>
-                </a:solidFill>
-                <a:latin typeface="Tahoma" pitchFamily="34" charset="0"/>
-                <a:cs typeface="Tahoma" pitchFamily="34" charset="0"/>
-              </a:rPr>
-              <a:t>Learning</a:t>
+              <a:t>Machine Learning</a:t>
             </a:r>
           </a:p>
           <a:p>
@@ -5637,14 +5449,14 @@
           <a:effectLst/>
           <a:extLst>
             <a:ext uri="{909E8E84-426E-40DD-AFC4-6F175D3DCCD1}">
-              <a14:hiddenFill xmlns:a14="http://schemas.microsoft.com/office/drawing/2010/main" xmlns="">
+              <a14:hiddenFill xmlns="" xmlns:a14="http://schemas.microsoft.com/office/drawing/2010/main">
                 <a:solidFill>
                   <a:schemeClr val="accent1"/>
                 </a:solidFill>
               </a14:hiddenFill>
             </a:ext>
             <a:ext uri="{91240B29-F687-4F45-9708-019B960494DF}">
-              <a14:hiddenLine xmlns:a14="http://schemas.microsoft.com/office/drawing/2010/main" xmlns="" w="9525">
+              <a14:hiddenLine xmlns="" xmlns:a14="http://schemas.microsoft.com/office/drawing/2010/main" w="9525">
                 <a:solidFill>
                   <a:schemeClr val="tx1"/>
                 </a:solidFill>
@@ -5654,7 +5466,7 @@
               </a14:hiddenLine>
             </a:ext>
             <a:ext uri="{AF507438-7753-43E0-B8FC-AC1667EBCBE1}">
-              <a14:hiddenEffects xmlns:a14="http://schemas.microsoft.com/office/drawing/2010/main" xmlns="">
+              <a14:hiddenEffects xmlns="" xmlns:a14="http://schemas.microsoft.com/office/drawing/2010/main">
                 <a:effectLst>
                   <a:outerShdw dist="35921" dir="2700000" algn="ctr" rotWithShape="0">
                     <a:schemeClr val="bg2"/>
@@ -5849,14 +5661,14 @@
           <a:effectLst/>
           <a:extLst>
             <a:ext uri="{909E8E84-426E-40DD-AFC4-6F175D3DCCD1}">
-              <a14:hiddenFill xmlns:a14="http://schemas.microsoft.com/office/drawing/2010/main" xmlns="">
+              <a14:hiddenFill xmlns="" xmlns:a14="http://schemas.microsoft.com/office/drawing/2010/main">
                 <a:solidFill>
                   <a:schemeClr val="accent1"/>
                 </a:solidFill>
               </a14:hiddenFill>
             </a:ext>
             <a:ext uri="{91240B29-F687-4F45-9708-019B960494DF}">
-              <a14:hiddenLine xmlns:a14="http://schemas.microsoft.com/office/drawing/2010/main" xmlns="" w="9525">
+              <a14:hiddenLine xmlns="" xmlns:a14="http://schemas.microsoft.com/office/drawing/2010/main" w="9525">
                 <a:solidFill>
                   <a:schemeClr val="tx1"/>
                 </a:solidFill>
@@ -5866,7 +5678,7 @@
               </a14:hiddenLine>
             </a:ext>
             <a:ext uri="{AF507438-7753-43E0-B8FC-AC1667EBCBE1}">
-              <a14:hiddenEffects xmlns:a14="http://schemas.microsoft.com/office/drawing/2010/main" xmlns="">
+              <a14:hiddenEffects xmlns="" xmlns:a14="http://schemas.microsoft.com/office/drawing/2010/main">
                 <a:effectLst>
                   <a:outerShdw dist="35921" dir="2700000" algn="ctr" rotWithShape="0">
                     <a:schemeClr val="bg2"/>
@@ -6030,17 +5842,7 @@
                 <a:latin typeface="Tahoma" pitchFamily="34" charset="0"/>
                 <a:cs typeface="Tahoma" pitchFamily="34" charset="0"/>
               </a:rPr>
-              <a:t>People may feel more </a:t>
-            </a:r>
-            <a:r>
-              <a:rPr lang="en-US" sz="2000" dirty="0" smtClean="0">
-                <a:solidFill>
-                  <a:srgbClr val="006699"/>
-                </a:solidFill>
-                <a:latin typeface="Tahoma" pitchFamily="34" charset="0"/>
-                <a:cs typeface="Tahoma" pitchFamily="34" charset="0"/>
-              </a:rPr>
-              <a:t>than one emotion.</a:t>
+              <a:t>People may feel more than one emotion.</a:t>
             </a:r>
           </a:p>
           <a:p>
@@ -6061,13 +5863,6 @@
               </a:rPr>
               <a:t>Some emotions are harder to separate than others – such as Angry and Disgust.</a:t>
             </a:r>
-            <a:endParaRPr lang="en-US" sz="2000" dirty="0" smtClean="0">
-              <a:solidFill>
-                <a:srgbClr val="006699"/>
-              </a:solidFill>
-              <a:latin typeface="Tahoma" pitchFamily="34" charset="0"/>
-              <a:cs typeface="Tahoma" pitchFamily="34" charset="0"/>
-            </a:endParaRPr>
           </a:p>
           <a:p>
             <a:pPr marL="457200" indent="-457200" algn="ctr" eaLnBrk="1" hangingPunct="1">
@@ -6110,14 +5905,14 @@
           <a:effectLst/>
           <a:extLst>
             <a:ext uri="{909E8E84-426E-40DD-AFC4-6F175D3DCCD1}">
-              <a14:hiddenFill xmlns:a14="http://schemas.microsoft.com/office/drawing/2010/main" xmlns="">
+              <a14:hiddenFill xmlns="" xmlns:a14="http://schemas.microsoft.com/office/drawing/2010/main">
                 <a:solidFill>
                   <a:schemeClr val="accent1"/>
                 </a:solidFill>
               </a14:hiddenFill>
             </a:ext>
             <a:ext uri="{91240B29-F687-4F45-9708-019B960494DF}">
-              <a14:hiddenLine xmlns:a14="http://schemas.microsoft.com/office/drawing/2010/main" xmlns="" w="9525">
+              <a14:hiddenLine xmlns="" xmlns:a14="http://schemas.microsoft.com/office/drawing/2010/main" w="9525">
                 <a:solidFill>
                   <a:schemeClr val="tx1"/>
                 </a:solidFill>
@@ -6127,7 +5922,7 @@
               </a14:hiddenLine>
             </a:ext>
             <a:ext uri="{AF507438-7753-43E0-B8FC-AC1667EBCBE1}">
-              <a14:hiddenEffects xmlns:a14="http://schemas.microsoft.com/office/drawing/2010/main" xmlns="">
+              <a14:hiddenEffects xmlns="" xmlns:a14="http://schemas.microsoft.com/office/drawing/2010/main">
                 <a:effectLst>
                   <a:outerShdw dist="35921" dir="2700000" algn="ctr" rotWithShape="0">
                     <a:schemeClr val="bg2"/>
@@ -6270,27 +6065,7 @@
                 <a:latin typeface="Tahoma" pitchFamily="34" charset="0"/>
                 <a:cs typeface="Tahoma" pitchFamily="34" charset="0"/>
               </a:rPr>
-              <a:t>Communicating – </a:t>
-            </a:r>
-            <a:r>
-              <a:rPr lang="en-US" sz="2000" dirty="0" smtClean="0">
-                <a:solidFill>
-                  <a:srgbClr val="006699"/>
-                </a:solidFill>
-                <a:latin typeface="Tahoma" pitchFamily="34" charset="0"/>
-                <a:cs typeface="Tahoma" pitchFamily="34" charset="0"/>
-              </a:rPr>
-              <a:t>“the imparting or exchanging of information or </a:t>
-            </a:r>
-            <a:r>
-              <a:rPr lang="en-US" sz="2000" dirty="0" smtClean="0">
-                <a:solidFill>
-                  <a:srgbClr val="006699"/>
-                </a:solidFill>
-                <a:latin typeface="Tahoma" pitchFamily="34" charset="0"/>
-                <a:cs typeface="Tahoma" pitchFamily="34" charset="0"/>
-              </a:rPr>
-              <a:t>news”  - Google Translate</a:t>
+              <a:t>Communicating – “the imparting or exchanging of information or news”  - Google Translate</a:t>
             </a:r>
           </a:p>
           <a:p>
@@ -6351,8 +6126,15 @@
                 <a:latin typeface="Tahoma" pitchFamily="34" charset="0"/>
                 <a:cs typeface="Tahoma" pitchFamily="34" charset="0"/>
               </a:rPr>
-              <a:t>Nowadays,  communication is not limited to living creatures only, but to machines as well. Meaning, Machines are now starting to exchange data with </a:t>
-            </a:r>
+              <a:t>Nowadays,  communication is not limited to living creatures only, but to machines as well. Meaning, Machines are now starting to exchange data with humans. </a:t>
+            </a:r>
+          </a:p>
+          <a:p>
+            <a:pPr algn="ctr" eaLnBrk="1" hangingPunct="1">
+              <a:spcBef>
+                <a:spcPct val="50000"/>
+              </a:spcBef>
+            </a:pPr>
             <a:r>
               <a:rPr lang="en-US" sz="2000" dirty="0" smtClean="0">
                 <a:solidFill>
@@ -6361,41 +6143,7 @@
                 <a:latin typeface="Tahoma" pitchFamily="34" charset="0"/>
                 <a:cs typeface="Tahoma" pitchFamily="34" charset="0"/>
               </a:rPr>
-              <a:t>humans. </a:t>
-            </a:r>
-            <a:endParaRPr lang="en-US" sz="2000" dirty="0" smtClean="0">
-              <a:solidFill>
-                <a:srgbClr val="006699"/>
-              </a:solidFill>
-              <a:latin typeface="Tahoma" pitchFamily="34" charset="0"/>
-              <a:cs typeface="Tahoma" pitchFamily="34" charset="0"/>
-            </a:endParaRPr>
-          </a:p>
-          <a:p>
-            <a:pPr algn="ctr" eaLnBrk="1" hangingPunct="1">
-              <a:spcBef>
-                <a:spcPct val="50000"/>
-              </a:spcBef>
-            </a:pPr>
-            <a:r>
-              <a:rPr lang="en-US" sz="2000" dirty="0" smtClean="0">
-                <a:solidFill>
-                  <a:srgbClr val="006699"/>
-                </a:solidFill>
-                <a:latin typeface="Tahoma" pitchFamily="34" charset="0"/>
-                <a:cs typeface="Tahoma" pitchFamily="34" charset="0"/>
-              </a:rPr>
-              <a:t>In </a:t>
-            </a:r>
-            <a:r>
-              <a:rPr lang="en-US" sz="2000" dirty="0" smtClean="0">
-                <a:solidFill>
-                  <a:srgbClr val="006699"/>
-                </a:solidFill>
-                <a:latin typeface="Tahoma" pitchFamily="34" charset="0"/>
-                <a:cs typeface="Tahoma" pitchFamily="34" charset="0"/>
-              </a:rPr>
-              <a:t>order to help </a:t>
+              <a:t>In order to help </a:t>
             </a:r>
             <a:r>
               <a:rPr lang="en-US" sz="2000" dirty="0">
@@ -6415,47 +6163,17 @@
                 <a:latin typeface="Tahoma" pitchFamily="34" charset="0"/>
                 <a:cs typeface="Tahoma" pitchFamily="34" charset="0"/>
               </a:rPr>
-              <a:t>communicate </a:t>
-            </a:r>
-            <a:r>
-              <a:rPr lang="en-US" sz="2000" b="1" dirty="0" smtClean="0">
+              <a:t>communicate better </a:t>
+            </a:r>
+            <a:r>
+              <a:rPr lang="en-US" sz="2000" dirty="0" smtClean="0">
                 <a:solidFill>
                   <a:srgbClr val="006699"/>
                 </a:solidFill>
                 <a:latin typeface="Tahoma" pitchFamily="34" charset="0"/>
                 <a:cs typeface="Tahoma" pitchFamily="34" charset="0"/>
               </a:rPr>
-              <a:t>better </a:t>
-            </a:r>
-            <a:r>
-              <a:rPr lang="en-US" sz="2000" dirty="0" smtClean="0">
-                <a:solidFill>
-                  <a:srgbClr val="006699"/>
-                </a:solidFill>
-                <a:latin typeface="Tahoma" pitchFamily="34" charset="0"/>
-                <a:cs typeface="Tahoma" pitchFamily="34" charset="0"/>
-              </a:rPr>
-              <a:t>with </a:t>
-            </a:r>
-            <a:r>
-              <a:rPr lang="en-US" sz="2000" dirty="0" smtClean="0">
-                <a:solidFill>
-                  <a:srgbClr val="006699"/>
-                </a:solidFill>
-                <a:latin typeface="Tahoma" pitchFamily="34" charset="0"/>
-                <a:cs typeface="Tahoma" pitchFamily="34" charset="0"/>
-              </a:rPr>
-              <a:t>humans – we need </a:t>
-            </a:r>
-            <a:r>
-              <a:rPr lang="en-US" sz="2000" dirty="0" smtClean="0">
-                <a:solidFill>
-                  <a:srgbClr val="006699"/>
-                </a:solidFill>
-                <a:latin typeface="Tahoma" pitchFamily="34" charset="0"/>
-                <a:cs typeface="Tahoma" pitchFamily="34" charset="0"/>
-              </a:rPr>
-              <a:t>to pay attention to more than the verbal or textual data.</a:t>
+              <a:t>with humans – we need to pay attention to more than the verbal or textual data.</a:t>
             </a:r>
             <a:endParaRPr lang="en-US" sz="2000" b="1" dirty="0">
               <a:solidFill>
@@ -6536,37 +6254,7 @@
                 <a:latin typeface="Tahoma" pitchFamily="34" charset="0"/>
                 <a:cs typeface="Tahoma" pitchFamily="34" charset="0"/>
               </a:rPr>
-              <a:t>in addition to words, we would be able to offer them a much better </a:t>
-            </a:r>
-            <a:r>
-              <a:rPr lang="en-US" sz="2000" dirty="0" smtClean="0">
-                <a:solidFill>
-                  <a:srgbClr val="006699"/>
-                </a:solidFill>
-                <a:latin typeface="Tahoma" pitchFamily="34" charset="0"/>
-                <a:cs typeface="Tahoma" pitchFamily="34" charset="0"/>
-              </a:rPr>
-              <a:t>automatic adjusted </a:t>
-            </a:r>
-            <a:r>
-              <a:rPr lang="en-US" sz="2000" dirty="0" smtClean="0">
-                <a:solidFill>
-                  <a:srgbClr val="006699"/>
-                </a:solidFill>
-                <a:latin typeface="Tahoma" pitchFamily="34" charset="0"/>
-                <a:cs typeface="Tahoma" pitchFamily="34" charset="0"/>
-              </a:rPr>
-              <a:t>response</a:t>
-            </a:r>
-            <a:r>
-              <a:rPr lang="en-US" sz="2000" dirty="0" smtClean="0">
-                <a:solidFill>
-                  <a:srgbClr val="006699"/>
-                </a:solidFill>
-                <a:latin typeface="Tahoma" pitchFamily="34" charset="0"/>
-                <a:cs typeface="Tahoma" pitchFamily="34" charset="0"/>
-              </a:rPr>
-              <a:t>. </a:t>
+              <a:t>in addition to words, we would be able to offer them a much better automatic adjusted response. </a:t>
             </a:r>
           </a:p>
           <a:p>
@@ -6585,13 +6273,6 @@
               </a:rPr>
               <a:t>This will enable automation of medical treatments and other human actions – Which emotion can we recognize? </a:t>
             </a:r>
-            <a:endParaRPr lang="en-US" sz="2000" dirty="0" smtClean="0">
-              <a:solidFill>
-                <a:srgbClr val="006699"/>
-              </a:solidFill>
-              <a:latin typeface="Tahoma" pitchFamily="34" charset="0"/>
-              <a:cs typeface="Tahoma" pitchFamily="34" charset="0"/>
-            </a:endParaRPr>
           </a:p>
           <a:p>
             <a:pPr algn="ctr" eaLnBrk="1" hangingPunct="1">
@@ -6607,17 +6288,7 @@
                 <a:latin typeface="Tahoma" pitchFamily="34" charset="0"/>
                 <a:cs typeface="Tahoma" pitchFamily="34" charset="0"/>
               </a:rPr>
-              <a:t>According </a:t>
-            </a:r>
-            <a:r>
-              <a:rPr lang="en-US" sz="2000" dirty="0" smtClean="0">
-                <a:solidFill>
-                  <a:srgbClr val="006699"/>
-                </a:solidFill>
-                <a:latin typeface="Tahoma" pitchFamily="34" charset="0"/>
-                <a:cs typeface="Tahoma" pitchFamily="34" charset="0"/>
-              </a:rPr>
-              <a:t>to </a:t>
+              <a:t>According to </a:t>
             </a:r>
             <a:r>
               <a:rPr lang="en-US" sz="2000" dirty="0">
@@ -6751,14 +6422,14 @@
           <a:effectLst/>
           <a:extLst>
             <a:ext uri="{909E8E84-426E-40DD-AFC4-6F175D3DCCD1}">
-              <a14:hiddenFill xmlns:a14="http://schemas.microsoft.com/office/drawing/2010/main" xmlns="">
+              <a14:hiddenFill xmlns="" xmlns:a14="http://schemas.microsoft.com/office/drawing/2010/main">
                 <a:solidFill>
                   <a:schemeClr val="accent1"/>
                 </a:solidFill>
               </a14:hiddenFill>
             </a:ext>
             <a:ext uri="{91240B29-F687-4F45-9708-019B960494DF}">
-              <a14:hiddenLine xmlns:a14="http://schemas.microsoft.com/office/drawing/2010/main" xmlns="" w="9525">
+              <a14:hiddenLine xmlns="" xmlns:a14="http://schemas.microsoft.com/office/drawing/2010/main" w="9525">
                 <a:solidFill>
                   <a:schemeClr val="tx1"/>
                 </a:solidFill>
@@ -6768,7 +6439,7 @@
               </a14:hiddenLine>
             </a:ext>
             <a:ext uri="{AF507438-7753-43E0-B8FC-AC1667EBCBE1}">
-              <a14:hiddenEffects xmlns:a14="http://schemas.microsoft.com/office/drawing/2010/main" xmlns="">
+              <a14:hiddenEffects xmlns="" xmlns:a14="http://schemas.microsoft.com/office/drawing/2010/main">
                 <a:effectLst>
                   <a:outerShdw dist="35921" dir="2700000" algn="ctr" rotWithShape="0">
                     <a:schemeClr val="bg2"/>
@@ -6911,21 +6582,11 @@
                 <a:latin typeface="Tahoma" pitchFamily="34" charset="0"/>
                 <a:cs typeface="Tahoma" pitchFamily="34" charset="0"/>
               </a:rPr>
-              <a:t>In order to train machine learning </a:t>
-            </a:r>
-            <a:r>
-              <a:rPr lang="en-US" sz="2000" dirty="0" smtClean="0">
-                <a:solidFill>
-                  <a:srgbClr val="006699"/>
-                </a:solidFill>
-                <a:latin typeface="Tahoma" pitchFamily="34" charset="0"/>
-                <a:cs typeface="Tahoma" pitchFamily="34" charset="0"/>
-              </a:rPr>
-              <a:t>algorithms we need labeled data. In this project we used 4 main labeled datasets:</a:t>
-            </a:r>
-          </a:p>
-          <a:p>
-            <a:pPr algn="ctr" eaLnBrk="1" hangingPunct="1">
+              <a:t>In order to train machine learning algorithms we need labeled data. In this project we used 4 main labeled datasets:</a:t>
+            </a:r>
+          </a:p>
+          <a:p>
+            <a:pPr lvl="1" eaLnBrk="1" hangingPunct="1">
               <a:spcBef>
                 <a:spcPts val="0"/>
               </a:spcBef>
@@ -6951,7 +6612,7 @@
             </a:endParaRPr>
           </a:p>
           <a:p>
-            <a:pPr algn="ctr" eaLnBrk="1" hangingPunct="1">
+            <a:pPr lvl="1" eaLnBrk="1" hangingPunct="1">
               <a:spcBef>
                 <a:spcPts val="0"/>
               </a:spcBef>
@@ -6970,7 +6631,7 @@
             </a:r>
           </a:p>
           <a:p>
-            <a:pPr algn="ctr" eaLnBrk="1" hangingPunct="1">
+            <a:pPr lvl="1" eaLnBrk="1" hangingPunct="1">
               <a:spcBef>
                 <a:spcPts val="0"/>
               </a:spcBef>
@@ -6989,7 +6650,7 @@
             </a:r>
           </a:p>
           <a:p>
-            <a:pPr algn="ctr" eaLnBrk="1" hangingPunct="1">
+            <a:pPr lvl="1" eaLnBrk="1" hangingPunct="1">
               <a:spcBef>
                 <a:spcPts val="0"/>
               </a:spcBef>
@@ -7023,13 +6684,6 @@
               </a:rPr>
               <a:t>In our final model we have used about 200 subjects, each making all 6 expressions.</a:t>
             </a:r>
-            <a:endParaRPr lang="en-US" sz="2000" dirty="0" smtClean="0">
-              <a:solidFill>
-                <a:srgbClr val="006699"/>
-              </a:solidFill>
-              <a:latin typeface="Tahoma" pitchFamily="34" charset="0"/>
-              <a:cs typeface="Tahoma" pitchFamily="34" charset="0"/>
-            </a:endParaRPr>
           </a:p>
         </p:txBody>
       </p:sp>
@@ -7085,8 +6739,15 @@
                 <a:latin typeface="Tahoma" pitchFamily="34" charset="0"/>
                 <a:cs typeface="Tahoma" pitchFamily="34" charset="0"/>
               </a:rPr>
-              <a:t>In order </a:t>
-            </a:r>
+              <a:t>In order to react in real-time – we need to decide which frames to process.</a:t>
+            </a:r>
+          </a:p>
+          <a:p>
+            <a:pPr algn="ctr" eaLnBrk="1" hangingPunct="1">
+              <a:spcBef>
+                <a:spcPct val="50000"/>
+              </a:spcBef>
+            </a:pPr>
             <a:r>
               <a:rPr lang="en-US" sz="2000" dirty="0" smtClean="0">
                 <a:solidFill>
@@ -7095,91 +6756,7 @@
                 <a:latin typeface="Tahoma" pitchFamily="34" charset="0"/>
                 <a:cs typeface="Tahoma" pitchFamily="34" charset="0"/>
               </a:rPr>
-              <a:t>to react in real-time – </a:t>
-            </a:r>
-            <a:r>
-              <a:rPr lang="en-US" sz="2000" dirty="0" smtClean="0">
-                <a:solidFill>
-                  <a:srgbClr val="006699"/>
-                </a:solidFill>
-                <a:latin typeface="Tahoma" pitchFamily="34" charset="0"/>
-                <a:cs typeface="Tahoma" pitchFamily="34" charset="0"/>
-              </a:rPr>
-              <a:t>we need to decide which frames </a:t>
-            </a:r>
-            <a:r>
-              <a:rPr lang="en-US" sz="2000" dirty="0" smtClean="0">
-                <a:solidFill>
-                  <a:srgbClr val="006699"/>
-                </a:solidFill>
-                <a:latin typeface="Tahoma" pitchFamily="34" charset="0"/>
-                <a:cs typeface="Tahoma" pitchFamily="34" charset="0"/>
-              </a:rPr>
-              <a:t>to process.</a:t>
-            </a:r>
-            <a:endParaRPr lang="en-US" sz="2000" dirty="0" smtClean="0">
-              <a:solidFill>
-                <a:srgbClr val="006699"/>
-              </a:solidFill>
-              <a:latin typeface="Tahoma" pitchFamily="34" charset="0"/>
-              <a:cs typeface="Tahoma" pitchFamily="34" charset="0"/>
-            </a:endParaRPr>
-          </a:p>
-          <a:p>
-            <a:pPr algn="ctr" eaLnBrk="1" hangingPunct="1">
-              <a:spcBef>
-                <a:spcPct val="50000"/>
-              </a:spcBef>
-            </a:pPr>
-            <a:r>
-              <a:rPr lang="en-US" sz="2000" dirty="0" smtClean="0">
-                <a:solidFill>
-                  <a:srgbClr val="006699"/>
-                </a:solidFill>
-                <a:latin typeface="Tahoma" pitchFamily="34" charset="0"/>
-                <a:cs typeface="Tahoma" pitchFamily="34" charset="0"/>
-              </a:rPr>
-              <a:t>We preprocessing each frame and compute it’s normalized Euclidian </a:t>
-            </a:r>
-            <a:r>
-              <a:rPr lang="en-US" sz="2000" dirty="0" smtClean="0">
-                <a:solidFill>
-                  <a:srgbClr val="006699"/>
-                </a:solidFill>
-                <a:latin typeface="Tahoma" pitchFamily="34" charset="0"/>
-                <a:cs typeface="Tahoma" pitchFamily="34" charset="0"/>
-              </a:rPr>
-              <a:t>distances between all </a:t>
-            </a:r>
-            <a:r>
-              <a:rPr lang="en-US" sz="2000" dirty="0" smtClean="0">
-                <a:solidFill>
-                  <a:srgbClr val="006699"/>
-                </a:solidFill>
-                <a:latin typeface="Tahoma" pitchFamily="34" charset="0"/>
-                <a:cs typeface="Tahoma" pitchFamily="34" charset="0"/>
-              </a:rPr>
-              <a:t>landmarks. Then we compute the </a:t>
-            </a:r>
-            <a:r>
-              <a:rPr lang="en-US" sz="2000" dirty="0" smtClean="0">
-                <a:solidFill>
-                  <a:srgbClr val="006699"/>
-                </a:solidFill>
-                <a:latin typeface="Tahoma" pitchFamily="34" charset="0"/>
-                <a:cs typeface="Tahoma" pitchFamily="34" charset="0"/>
-              </a:rPr>
-              <a:t>Euclidian </a:t>
-            </a:r>
-            <a:r>
-              <a:rPr lang="en-US" sz="2000" dirty="0" smtClean="0">
-                <a:solidFill>
-                  <a:srgbClr val="006699"/>
-                </a:solidFill>
-                <a:latin typeface="Tahoma" pitchFamily="34" charset="0"/>
-                <a:cs typeface="Tahoma" pitchFamily="34" charset="0"/>
-              </a:rPr>
-              <a:t>distance between the current frame vector and the last interesting vector. If the distance is bigger than a pre-defined threshold – the current frame is interesting.</a:t>
+              <a:t>We preprocessing each frame and compute it’s normalized Euclidian distances between all landmarks. Then we compute the Euclidian distance between the current frame vector and the last interesting vector. If the distance is bigger than a pre-defined threshold – the current frame is interesting.</a:t>
             </a:r>
           </a:p>
           <a:p>
@@ -7198,13 +6775,6 @@
               </a:rPr>
               <a:t>If a frame is interesting – We continue to checking the face mood.</a:t>
             </a:r>
-            <a:endParaRPr lang="en-US" sz="2000" dirty="0" smtClean="0">
-              <a:solidFill>
-                <a:srgbClr val="006699"/>
-              </a:solidFill>
-              <a:latin typeface="Tahoma" pitchFamily="34" charset="0"/>
-              <a:cs typeface="Tahoma" pitchFamily="34" charset="0"/>
-            </a:endParaRPr>
           </a:p>
           <a:p>
             <a:endParaRPr lang="he-IL" sz="2000" dirty="0"/>
@@ -7273,14 +6843,14 @@
           <a:effectLst/>
           <a:extLst>
             <a:ext uri="{909E8E84-426E-40DD-AFC4-6F175D3DCCD1}">
-              <a14:hiddenFill xmlns:a14="http://schemas.microsoft.com/office/drawing/2010/main" xmlns="">
+              <a14:hiddenFill xmlns="" xmlns:a14="http://schemas.microsoft.com/office/drawing/2010/main">
                 <a:solidFill>
                   <a:schemeClr val="accent1"/>
                 </a:solidFill>
               </a14:hiddenFill>
             </a:ext>
             <a:ext uri="{91240B29-F687-4F45-9708-019B960494DF}">
-              <a14:hiddenLine xmlns:a14="http://schemas.microsoft.com/office/drawing/2010/main" xmlns="" w="9525">
+              <a14:hiddenLine xmlns="" xmlns:a14="http://schemas.microsoft.com/office/drawing/2010/main" w="9525">
                 <a:solidFill>
                   <a:schemeClr val="tx1"/>
                 </a:solidFill>
@@ -7290,7 +6860,7 @@
               </a14:hiddenLine>
             </a:ext>
             <a:ext uri="{AF507438-7753-43E0-B8FC-AC1667EBCBE1}">
-              <a14:hiddenEffects xmlns:a14="http://schemas.microsoft.com/office/drawing/2010/main" xmlns="">
+              <a14:hiddenEffects xmlns="" xmlns:a14="http://schemas.microsoft.com/office/drawing/2010/main">
                 <a:effectLst>
                   <a:outerShdw dist="35921" dir="2700000" algn="ctr" rotWithShape="0">
                     <a:schemeClr val="bg2"/>
@@ -7435,13 +7005,6 @@
               </a:rPr>
               <a:t>After months of research, we have reached a precision of 85% in predicting 6 class: Happy, Sad, Surprise, Fear, Angry and Disgust</a:t>
             </a:r>
-            <a:endParaRPr lang="en-US" sz="2000" dirty="0" smtClean="0">
-              <a:solidFill>
-                <a:srgbClr val="006699"/>
-              </a:solidFill>
-              <a:latin typeface="Tahoma" pitchFamily="34" charset="0"/>
-              <a:cs typeface="Tahoma" pitchFamily="34" charset="0"/>
-            </a:endParaRPr>
           </a:p>
           <a:p>
             <a:pPr algn="ctr" eaLnBrk="1" hangingPunct="1">
@@ -7724,7 +7287,7 @@
         <a:effectLst/>
         <a:extLst>
           <a:ext uri="{AF507438-7753-43E0-B8FC-AC1667EBCBE1}">
-            <a14:hiddenEffects xmlns:a14="http://schemas.microsoft.com/office/drawing/2010/main" xmlns="">
+            <a14:hiddenEffects xmlns="" xmlns:a14="http://schemas.microsoft.com/office/drawing/2010/main">
               <a:effectLst>
                 <a:outerShdw dist="35921" dir="2700000" algn="ctr" rotWithShape="0">
                   <a:schemeClr val="bg2"/>
@@ -7797,7 +7360,7 @@
         <a:effectLst/>
         <a:extLst>
           <a:ext uri="{AF507438-7753-43E0-B8FC-AC1667EBCBE1}">
-            <a14:hiddenEffects xmlns:a14="http://schemas.microsoft.com/office/drawing/2010/main" xmlns="">
+            <a14:hiddenEffects xmlns="" xmlns:a14="http://schemas.microsoft.com/office/drawing/2010/main">
               <a:effectLst>
                 <a:outerShdw dist="35921" dir="2700000" algn="ctr" rotWithShape="0">
                   <a:schemeClr val="bg2"/>

--- a/Documents/EmotionalRecognitionPoster.pptx
+++ b/Documents/EmotionalRecognitionPoster.pptx
@@ -136,7 +136,7 @@
   </p:defaultTextStyle>
   <p:extLst>
     <p:ext uri="{EFAFB233-063F-42B5-8137-9DF3F51BA10A}">
-      <p15:sldGuideLst xmlns="" xmlns:p15="http://schemas.microsoft.com/office/powerpoint/2012/main">
+      <p15:sldGuideLst xmlns:p15="http://schemas.microsoft.com/office/powerpoint/2012/main">
         <p15:guide id="1" orient="horz" pos="5670" userDrawn="1">
           <p15:clr>
             <a:srgbClr val="A4A3A4"/>
@@ -191,10 +191,9 @@
           <a:lstStyle/>
           <a:p>
             <a:r>
-              <a:rPr lang="he-IL" smtClean="0"/>
+              <a:rPr lang="he-IL"/>
               <a:t>לחץ כדי לערוך סגנון כותרת של תבנית בסיס</a:t>
             </a:r>
-            <a:endParaRPr lang="he-IL"/>
           </a:p>
         </p:txBody>
       </p:sp>
@@ -256,10 +255,9 @@
           </a:lstStyle>
           <a:p>
             <a:r>
-              <a:rPr lang="he-IL" smtClean="0"/>
+              <a:rPr lang="he-IL"/>
               <a:t>לחץ כדי לערוך סגנון כותרת משנה של תבנית בסיס</a:t>
             </a:r>
-            <a:endParaRPr lang="he-IL"/>
           </a:p>
         </p:txBody>
       </p:sp>
@@ -351,7 +349,7 @@
     </p:spTree>
     <p:extLst>
       <p:ext uri="{BB962C8B-B14F-4D97-AF65-F5344CB8AC3E}">
-        <p14:creationId xmlns="" xmlns:p14="http://schemas.microsoft.com/office/powerpoint/2010/main" val="382079818"/>
+        <p14:creationId xmlns:p14="http://schemas.microsoft.com/office/powerpoint/2010/main" val="382079818"/>
       </p:ext>
     </p:extLst>
   </p:cSld>
@@ -394,10 +392,9 @@
           <a:lstStyle/>
           <a:p>
             <a:r>
-              <a:rPr lang="he-IL" smtClean="0"/>
+              <a:rPr lang="he-IL"/>
               <a:t>לחץ כדי לערוך סגנון כותרת של תבנית בסיס</a:t>
             </a:r>
-            <a:endParaRPr lang="he-IL"/>
           </a:p>
         </p:txBody>
       </p:sp>
@@ -418,38 +415,37 @@
           <a:p>
             <a:pPr lvl="0"/>
             <a:r>
-              <a:rPr lang="he-IL" smtClean="0"/>
+              <a:rPr lang="he-IL"/>
               <a:t>לחץ כדי לערוך סגנונות טקסט של תבנית בסיס</a:t>
             </a:r>
           </a:p>
           <a:p>
             <a:pPr lvl="1"/>
             <a:r>
-              <a:rPr lang="he-IL" smtClean="0"/>
+              <a:rPr lang="he-IL"/>
               <a:t>רמה שנייה</a:t>
             </a:r>
           </a:p>
           <a:p>
             <a:pPr lvl="2"/>
             <a:r>
-              <a:rPr lang="he-IL" smtClean="0"/>
+              <a:rPr lang="he-IL"/>
               <a:t>רמה שלישית</a:t>
             </a:r>
           </a:p>
           <a:p>
             <a:pPr lvl="3"/>
             <a:r>
-              <a:rPr lang="he-IL" smtClean="0"/>
+              <a:rPr lang="he-IL"/>
               <a:t>רמה רביעית</a:t>
             </a:r>
           </a:p>
           <a:p>
             <a:pPr lvl="4"/>
             <a:r>
-              <a:rPr lang="he-IL" smtClean="0"/>
+              <a:rPr lang="he-IL"/>
               <a:t>רמה חמישית</a:t>
             </a:r>
-            <a:endParaRPr lang="he-IL"/>
           </a:p>
         </p:txBody>
       </p:sp>
@@ -541,7 +537,7 @@
     </p:spTree>
     <p:extLst>
       <p:ext uri="{BB962C8B-B14F-4D97-AF65-F5344CB8AC3E}">
-        <p14:creationId xmlns="" xmlns:p14="http://schemas.microsoft.com/office/powerpoint/2010/main" val="3550681264"/>
+        <p14:creationId xmlns:p14="http://schemas.microsoft.com/office/powerpoint/2010/main" val="3550681264"/>
       </p:ext>
     </p:extLst>
   </p:cSld>
@@ -589,10 +585,9 @@
           <a:lstStyle/>
           <a:p>
             <a:r>
-              <a:rPr lang="he-IL" smtClean="0"/>
+              <a:rPr lang="he-IL"/>
               <a:t>לחץ כדי לערוך סגנון כותרת של תבנית בסיס</a:t>
             </a:r>
-            <a:endParaRPr lang="he-IL"/>
           </a:p>
         </p:txBody>
       </p:sp>
@@ -618,38 +613,37 @@
           <a:p>
             <a:pPr lvl="0"/>
             <a:r>
-              <a:rPr lang="he-IL" smtClean="0"/>
+              <a:rPr lang="he-IL"/>
               <a:t>לחץ כדי לערוך סגנונות טקסט של תבנית בסיס</a:t>
             </a:r>
           </a:p>
           <a:p>
             <a:pPr lvl="1"/>
             <a:r>
-              <a:rPr lang="he-IL" smtClean="0"/>
+              <a:rPr lang="he-IL"/>
               <a:t>רמה שנייה</a:t>
             </a:r>
           </a:p>
           <a:p>
             <a:pPr lvl="2"/>
             <a:r>
-              <a:rPr lang="he-IL" smtClean="0"/>
+              <a:rPr lang="he-IL"/>
               <a:t>רמה שלישית</a:t>
             </a:r>
           </a:p>
           <a:p>
             <a:pPr lvl="3"/>
             <a:r>
-              <a:rPr lang="he-IL" smtClean="0"/>
+              <a:rPr lang="he-IL"/>
               <a:t>רמה רביעית</a:t>
             </a:r>
           </a:p>
           <a:p>
             <a:pPr lvl="4"/>
             <a:r>
-              <a:rPr lang="he-IL" smtClean="0"/>
+              <a:rPr lang="he-IL"/>
               <a:t>רמה חמישית</a:t>
             </a:r>
-            <a:endParaRPr lang="he-IL"/>
           </a:p>
         </p:txBody>
       </p:sp>
@@ -741,7 +735,7 @@
     </p:spTree>
     <p:extLst>
       <p:ext uri="{BB962C8B-B14F-4D97-AF65-F5344CB8AC3E}">
-        <p14:creationId xmlns="" xmlns:p14="http://schemas.microsoft.com/office/powerpoint/2010/main" val="1078380893"/>
+        <p14:creationId xmlns:p14="http://schemas.microsoft.com/office/powerpoint/2010/main" val="1078380893"/>
       </p:ext>
     </p:extLst>
   </p:cSld>
@@ -784,10 +778,9 @@
           <a:lstStyle/>
           <a:p>
             <a:r>
-              <a:rPr lang="he-IL" smtClean="0"/>
+              <a:rPr lang="he-IL"/>
               <a:t>לחץ כדי לערוך סגנון כותרת של תבנית בסיס</a:t>
             </a:r>
-            <a:endParaRPr lang="he-IL"/>
           </a:p>
         </p:txBody>
       </p:sp>
@@ -808,38 +801,37 @@
           <a:p>
             <a:pPr lvl="0"/>
             <a:r>
-              <a:rPr lang="he-IL" smtClean="0"/>
+              <a:rPr lang="he-IL"/>
               <a:t>לחץ כדי לערוך סגנונות טקסט של תבנית בסיס</a:t>
             </a:r>
           </a:p>
           <a:p>
             <a:pPr lvl="1"/>
             <a:r>
-              <a:rPr lang="he-IL" smtClean="0"/>
+              <a:rPr lang="he-IL"/>
               <a:t>רמה שנייה</a:t>
             </a:r>
           </a:p>
           <a:p>
             <a:pPr lvl="2"/>
             <a:r>
-              <a:rPr lang="he-IL" smtClean="0"/>
+              <a:rPr lang="he-IL"/>
               <a:t>רמה שלישית</a:t>
             </a:r>
           </a:p>
           <a:p>
             <a:pPr lvl="3"/>
             <a:r>
-              <a:rPr lang="he-IL" smtClean="0"/>
+              <a:rPr lang="he-IL"/>
               <a:t>רמה רביעית</a:t>
             </a:r>
           </a:p>
           <a:p>
             <a:pPr lvl="4"/>
             <a:r>
-              <a:rPr lang="he-IL" smtClean="0"/>
+              <a:rPr lang="he-IL"/>
               <a:t>רמה חמישית</a:t>
             </a:r>
-            <a:endParaRPr lang="he-IL"/>
           </a:p>
         </p:txBody>
       </p:sp>
@@ -931,7 +923,7 @@
     </p:spTree>
     <p:extLst>
       <p:ext uri="{BB962C8B-B14F-4D97-AF65-F5344CB8AC3E}">
-        <p14:creationId xmlns="" xmlns:p14="http://schemas.microsoft.com/office/powerpoint/2010/main" val="948110802"/>
+        <p14:creationId xmlns:p14="http://schemas.microsoft.com/office/powerpoint/2010/main" val="948110802"/>
       </p:ext>
     </p:extLst>
   </p:cSld>
@@ -983,10 +975,9 @@
           </a:lstStyle>
           <a:p>
             <a:r>
-              <a:rPr lang="he-IL" smtClean="0"/>
+              <a:rPr lang="he-IL"/>
               <a:t>לחץ כדי לערוך סגנון כותרת של תבנית בסיס</a:t>
             </a:r>
-            <a:endParaRPr lang="he-IL"/>
           </a:p>
         </p:txBody>
       </p:sp>
@@ -1049,7 +1040,7 @@
           <a:p>
             <a:pPr lvl="0"/>
             <a:r>
-              <a:rPr lang="he-IL" smtClean="0"/>
+              <a:rPr lang="he-IL"/>
               <a:t>לחץ כדי לערוך סגנונות טקסט של תבנית בסיס</a:t>
             </a:r>
           </a:p>
@@ -1143,7 +1134,7 @@
     </p:spTree>
     <p:extLst>
       <p:ext uri="{BB962C8B-B14F-4D97-AF65-F5344CB8AC3E}">
-        <p14:creationId xmlns="" xmlns:p14="http://schemas.microsoft.com/office/powerpoint/2010/main" val="2296229813"/>
+        <p14:creationId xmlns:p14="http://schemas.microsoft.com/office/powerpoint/2010/main" val="2296229813"/>
       </p:ext>
     </p:extLst>
   </p:cSld>
@@ -1186,10 +1177,9 @@
           <a:lstStyle/>
           <a:p>
             <a:r>
-              <a:rPr lang="he-IL" smtClean="0"/>
+              <a:rPr lang="he-IL"/>
               <a:t>לחץ כדי לערוך סגנון כותרת של תבנית בסיס</a:t>
             </a:r>
-            <a:endParaRPr lang="he-IL"/>
           </a:p>
         </p:txBody>
       </p:sp>
@@ -1243,38 +1233,37 @@
           <a:p>
             <a:pPr lvl="0"/>
             <a:r>
-              <a:rPr lang="he-IL" smtClean="0"/>
+              <a:rPr lang="he-IL"/>
               <a:t>לחץ כדי לערוך סגנונות טקסט של תבנית בסיס</a:t>
             </a:r>
           </a:p>
           <a:p>
             <a:pPr lvl="1"/>
             <a:r>
-              <a:rPr lang="he-IL" smtClean="0"/>
+              <a:rPr lang="he-IL"/>
               <a:t>רמה שנייה</a:t>
             </a:r>
           </a:p>
           <a:p>
             <a:pPr lvl="2"/>
             <a:r>
-              <a:rPr lang="he-IL" smtClean="0"/>
+              <a:rPr lang="he-IL"/>
               <a:t>רמה שלישית</a:t>
             </a:r>
           </a:p>
           <a:p>
             <a:pPr lvl="3"/>
             <a:r>
-              <a:rPr lang="he-IL" smtClean="0"/>
+              <a:rPr lang="he-IL"/>
               <a:t>רמה רביעית</a:t>
             </a:r>
           </a:p>
           <a:p>
             <a:pPr lvl="4"/>
             <a:r>
-              <a:rPr lang="he-IL" smtClean="0"/>
+              <a:rPr lang="he-IL"/>
               <a:t>רמה חמישית</a:t>
             </a:r>
-            <a:endParaRPr lang="he-IL"/>
           </a:p>
         </p:txBody>
       </p:sp>
@@ -1328,38 +1317,37 @@
           <a:p>
             <a:pPr lvl="0"/>
             <a:r>
-              <a:rPr lang="he-IL" smtClean="0"/>
+              <a:rPr lang="he-IL"/>
               <a:t>לחץ כדי לערוך סגנונות טקסט של תבנית בסיס</a:t>
             </a:r>
           </a:p>
           <a:p>
             <a:pPr lvl="1"/>
             <a:r>
-              <a:rPr lang="he-IL" smtClean="0"/>
+              <a:rPr lang="he-IL"/>
               <a:t>רמה שנייה</a:t>
             </a:r>
           </a:p>
           <a:p>
             <a:pPr lvl="2"/>
             <a:r>
-              <a:rPr lang="he-IL" smtClean="0"/>
+              <a:rPr lang="he-IL"/>
               <a:t>רמה שלישית</a:t>
             </a:r>
           </a:p>
           <a:p>
             <a:pPr lvl="3"/>
             <a:r>
-              <a:rPr lang="he-IL" smtClean="0"/>
+              <a:rPr lang="he-IL"/>
               <a:t>רמה רביעית</a:t>
             </a:r>
           </a:p>
           <a:p>
             <a:pPr lvl="4"/>
             <a:r>
-              <a:rPr lang="he-IL" smtClean="0"/>
+              <a:rPr lang="he-IL"/>
               <a:t>רמה חמישית</a:t>
             </a:r>
-            <a:endParaRPr lang="he-IL"/>
           </a:p>
         </p:txBody>
       </p:sp>
@@ -1451,7 +1439,7 @@
     </p:spTree>
     <p:extLst>
       <p:ext uri="{BB962C8B-B14F-4D97-AF65-F5344CB8AC3E}">
-        <p14:creationId xmlns="" xmlns:p14="http://schemas.microsoft.com/office/powerpoint/2010/main" val="358402869"/>
+        <p14:creationId xmlns:p14="http://schemas.microsoft.com/office/powerpoint/2010/main" val="358402869"/>
       </p:ext>
     </p:extLst>
   </p:cSld>
@@ -1503,10 +1491,9 @@
           </a:lstStyle>
           <a:p>
             <a:r>
-              <a:rPr lang="he-IL" smtClean="0"/>
+              <a:rPr lang="he-IL"/>
               <a:t>לחץ כדי לערוך סגנון כותרת של תבנית בסיס</a:t>
             </a:r>
-            <a:endParaRPr lang="he-IL"/>
           </a:p>
         </p:txBody>
       </p:sp>
@@ -1569,7 +1556,7 @@
           <a:p>
             <a:pPr lvl="0"/>
             <a:r>
-              <a:rPr lang="he-IL" smtClean="0"/>
+              <a:rPr lang="he-IL"/>
               <a:t>לחץ כדי לערוך סגנונות טקסט של תבנית בסיס</a:t>
             </a:r>
           </a:p>
@@ -1625,38 +1612,37 @@
           <a:p>
             <a:pPr lvl="0"/>
             <a:r>
-              <a:rPr lang="he-IL" smtClean="0"/>
+              <a:rPr lang="he-IL"/>
               <a:t>לחץ כדי לערוך סגנונות טקסט של תבנית בסיס</a:t>
             </a:r>
           </a:p>
           <a:p>
             <a:pPr lvl="1"/>
             <a:r>
-              <a:rPr lang="he-IL" smtClean="0"/>
+              <a:rPr lang="he-IL"/>
               <a:t>רמה שנייה</a:t>
             </a:r>
           </a:p>
           <a:p>
             <a:pPr lvl="2"/>
             <a:r>
-              <a:rPr lang="he-IL" smtClean="0"/>
+              <a:rPr lang="he-IL"/>
               <a:t>רמה שלישית</a:t>
             </a:r>
           </a:p>
           <a:p>
             <a:pPr lvl="3"/>
             <a:r>
-              <a:rPr lang="he-IL" smtClean="0"/>
+              <a:rPr lang="he-IL"/>
               <a:t>רמה רביעית</a:t>
             </a:r>
           </a:p>
           <a:p>
             <a:pPr lvl="4"/>
             <a:r>
-              <a:rPr lang="he-IL" smtClean="0"/>
+              <a:rPr lang="he-IL"/>
               <a:t>רמה חמישית</a:t>
             </a:r>
-            <a:endParaRPr lang="he-IL"/>
           </a:p>
         </p:txBody>
       </p:sp>
@@ -1719,7 +1705,7 @@
           <a:p>
             <a:pPr lvl="0"/>
             <a:r>
-              <a:rPr lang="he-IL" smtClean="0"/>
+              <a:rPr lang="he-IL"/>
               <a:t>לחץ כדי לערוך סגנונות טקסט של תבנית בסיס</a:t>
             </a:r>
           </a:p>
@@ -1775,38 +1761,37 @@
           <a:p>
             <a:pPr lvl="0"/>
             <a:r>
-              <a:rPr lang="he-IL" smtClean="0"/>
+              <a:rPr lang="he-IL"/>
               <a:t>לחץ כדי לערוך סגנונות טקסט של תבנית בסיס</a:t>
             </a:r>
           </a:p>
           <a:p>
             <a:pPr lvl="1"/>
             <a:r>
-              <a:rPr lang="he-IL" smtClean="0"/>
+              <a:rPr lang="he-IL"/>
               <a:t>רמה שנייה</a:t>
             </a:r>
           </a:p>
           <a:p>
             <a:pPr lvl="2"/>
             <a:r>
-              <a:rPr lang="he-IL" smtClean="0"/>
+              <a:rPr lang="he-IL"/>
               <a:t>רמה שלישית</a:t>
             </a:r>
           </a:p>
           <a:p>
             <a:pPr lvl="3"/>
             <a:r>
-              <a:rPr lang="he-IL" smtClean="0"/>
+              <a:rPr lang="he-IL"/>
               <a:t>רמה רביעית</a:t>
             </a:r>
           </a:p>
           <a:p>
             <a:pPr lvl="4"/>
             <a:r>
-              <a:rPr lang="he-IL" smtClean="0"/>
+              <a:rPr lang="he-IL"/>
               <a:t>רמה חמישית</a:t>
             </a:r>
-            <a:endParaRPr lang="he-IL"/>
           </a:p>
         </p:txBody>
       </p:sp>
@@ -1898,7 +1883,7 @@
     </p:spTree>
     <p:extLst>
       <p:ext uri="{BB962C8B-B14F-4D97-AF65-F5344CB8AC3E}">
-        <p14:creationId xmlns="" xmlns:p14="http://schemas.microsoft.com/office/powerpoint/2010/main" val="3772122452"/>
+        <p14:creationId xmlns:p14="http://schemas.microsoft.com/office/powerpoint/2010/main" val="3772122452"/>
       </p:ext>
     </p:extLst>
   </p:cSld>
@@ -1941,10 +1926,9 @@
           <a:lstStyle/>
           <a:p>
             <a:r>
-              <a:rPr lang="he-IL" smtClean="0"/>
+              <a:rPr lang="he-IL"/>
               <a:t>לחץ כדי לערוך סגנון כותרת של תבנית בסיס</a:t>
             </a:r>
-            <a:endParaRPr lang="he-IL"/>
           </a:p>
         </p:txBody>
       </p:sp>
@@ -2036,7 +2020,7 @@
     </p:spTree>
     <p:extLst>
       <p:ext uri="{BB962C8B-B14F-4D97-AF65-F5344CB8AC3E}">
-        <p14:creationId xmlns="" xmlns:p14="http://schemas.microsoft.com/office/powerpoint/2010/main" val="1171472642"/>
+        <p14:creationId xmlns:p14="http://schemas.microsoft.com/office/powerpoint/2010/main" val="1171472642"/>
       </p:ext>
     </p:extLst>
   </p:cSld>
@@ -2151,7 +2135,7 @@
     </p:spTree>
     <p:extLst>
       <p:ext uri="{BB962C8B-B14F-4D97-AF65-F5344CB8AC3E}">
-        <p14:creationId xmlns="" xmlns:p14="http://schemas.microsoft.com/office/powerpoint/2010/main" val="3850966761"/>
+        <p14:creationId xmlns:p14="http://schemas.microsoft.com/office/powerpoint/2010/main" val="3850966761"/>
       </p:ext>
     </p:extLst>
   </p:cSld>
@@ -2203,10 +2187,9 @@
           </a:lstStyle>
           <a:p>
             <a:r>
-              <a:rPr lang="he-IL" smtClean="0"/>
+              <a:rPr lang="he-IL"/>
               <a:t>לחץ כדי לערוך סגנון כותרת של תבנית בסיס</a:t>
             </a:r>
-            <a:endParaRPr lang="he-IL"/>
           </a:p>
         </p:txBody>
       </p:sp>
@@ -2260,38 +2243,37 @@
           <a:p>
             <a:pPr lvl="0"/>
             <a:r>
-              <a:rPr lang="he-IL" smtClean="0"/>
+              <a:rPr lang="he-IL"/>
               <a:t>לחץ כדי לערוך סגנונות טקסט של תבנית בסיס</a:t>
             </a:r>
           </a:p>
           <a:p>
             <a:pPr lvl="1"/>
             <a:r>
-              <a:rPr lang="he-IL" smtClean="0"/>
+              <a:rPr lang="he-IL"/>
               <a:t>רמה שנייה</a:t>
             </a:r>
           </a:p>
           <a:p>
             <a:pPr lvl="2"/>
             <a:r>
-              <a:rPr lang="he-IL" smtClean="0"/>
+              <a:rPr lang="he-IL"/>
               <a:t>רמה שלישית</a:t>
             </a:r>
           </a:p>
           <a:p>
             <a:pPr lvl="3"/>
             <a:r>
-              <a:rPr lang="he-IL" smtClean="0"/>
+              <a:rPr lang="he-IL"/>
               <a:t>רמה רביעית</a:t>
             </a:r>
           </a:p>
           <a:p>
             <a:pPr lvl="4"/>
             <a:r>
-              <a:rPr lang="he-IL" smtClean="0"/>
+              <a:rPr lang="he-IL"/>
               <a:t>רמה חמישית</a:t>
             </a:r>
-            <a:endParaRPr lang="he-IL"/>
           </a:p>
         </p:txBody>
       </p:sp>
@@ -2354,7 +2336,7 @@
           <a:p>
             <a:pPr lvl="0"/>
             <a:r>
-              <a:rPr lang="he-IL" smtClean="0"/>
+              <a:rPr lang="he-IL"/>
               <a:t>לחץ כדי לערוך סגנונות טקסט של תבנית בסיס</a:t>
             </a:r>
           </a:p>
@@ -2448,7 +2430,7 @@
     </p:spTree>
     <p:extLst>
       <p:ext uri="{BB962C8B-B14F-4D97-AF65-F5344CB8AC3E}">
-        <p14:creationId xmlns="" xmlns:p14="http://schemas.microsoft.com/office/powerpoint/2010/main" val="409043663"/>
+        <p14:creationId xmlns:p14="http://schemas.microsoft.com/office/powerpoint/2010/main" val="409043663"/>
       </p:ext>
     </p:extLst>
   </p:cSld>
@@ -2500,10 +2482,9 @@
           </a:lstStyle>
           <a:p>
             <a:r>
-              <a:rPr lang="he-IL" smtClean="0"/>
+              <a:rPr lang="he-IL"/>
               <a:t>לחץ כדי לערוך סגנון כותרת של תבנית בסיס</a:t>
             </a:r>
-            <a:endParaRPr lang="he-IL"/>
           </a:p>
         </p:txBody>
       </p:sp>
@@ -2565,7 +2546,7 @@
           </a:lstStyle>
           <a:p>
             <a:pPr lvl="0"/>
-            <a:endParaRPr lang="he-IL" noProof="0" smtClean="0"/>
+            <a:endParaRPr lang="he-IL" noProof="0"/>
           </a:p>
         </p:txBody>
       </p:sp>
@@ -2628,7 +2609,7 @@
           <a:p>
             <a:pPr lvl="0"/>
             <a:r>
-              <a:rPr lang="he-IL" smtClean="0"/>
+              <a:rPr lang="he-IL"/>
               <a:t>לחץ כדי לערוך סגנונות טקסט של תבנית בסיס</a:t>
             </a:r>
           </a:p>
@@ -2722,7 +2703,7 @@
     </p:spTree>
     <p:extLst>
       <p:ext uri="{BB962C8B-B14F-4D97-AF65-F5344CB8AC3E}">
-        <p14:creationId xmlns="" xmlns:p14="http://schemas.microsoft.com/office/powerpoint/2010/main" val="440950294"/>
+        <p14:creationId xmlns:p14="http://schemas.microsoft.com/office/powerpoint/2010/main" val="440950294"/>
       </p:ext>
     </p:extLst>
   </p:cSld>
@@ -2782,14 +2763,14 @@
           <a:effectLst/>
           <a:extLst>
             <a:ext uri="{909E8E84-426E-40DD-AFC4-6F175D3DCCD1}">
-              <a14:hiddenFill xmlns="" xmlns:a14="http://schemas.microsoft.com/office/drawing/2010/main">
+              <a14:hiddenFill xmlns:a14="http://schemas.microsoft.com/office/drawing/2010/main">
                 <a:solidFill>
                   <a:schemeClr val="accent1"/>
                 </a:solidFill>
               </a14:hiddenFill>
             </a:ext>
             <a:ext uri="{91240B29-F687-4F45-9708-019B960494DF}">
-              <a14:hiddenLine xmlns="" xmlns:a14="http://schemas.microsoft.com/office/drawing/2010/main" w="9525">
+              <a14:hiddenLine xmlns:a14="http://schemas.microsoft.com/office/drawing/2010/main" w="9525">
                 <a:solidFill>
                   <a:schemeClr val="tx1"/>
                 </a:solidFill>
@@ -2799,7 +2780,7 @@
               </a14:hiddenLine>
             </a:ext>
             <a:ext uri="{AF507438-7753-43E0-B8FC-AC1667EBCBE1}">
-              <a14:hiddenEffects xmlns="" xmlns:a14="http://schemas.microsoft.com/office/drawing/2010/main">
+              <a14:hiddenEffects xmlns:a14="http://schemas.microsoft.com/office/drawing/2010/main">
                 <a:effectLst>
                   <a:outerShdw dist="35921" dir="2700000" algn="ctr" rotWithShape="0">
                     <a:schemeClr val="bg2"/>
@@ -2819,7 +2800,7 @@
           <a:p>
             <a:pPr lvl="0"/>
             <a:r>
-              <a:rPr lang="en-US" smtClean="0"/>
+              <a:rPr lang="en-US"/>
               <a:t>Click to edit Master title style</a:t>
             </a:r>
           </a:p>
@@ -2850,14 +2831,14 @@
           <a:effectLst/>
           <a:extLst>
             <a:ext uri="{909E8E84-426E-40DD-AFC4-6F175D3DCCD1}">
-              <a14:hiddenFill xmlns="" xmlns:a14="http://schemas.microsoft.com/office/drawing/2010/main">
+              <a14:hiddenFill xmlns:a14="http://schemas.microsoft.com/office/drawing/2010/main">
                 <a:solidFill>
                   <a:schemeClr val="accent1"/>
                 </a:solidFill>
               </a14:hiddenFill>
             </a:ext>
             <a:ext uri="{91240B29-F687-4F45-9708-019B960494DF}">
-              <a14:hiddenLine xmlns="" xmlns:a14="http://schemas.microsoft.com/office/drawing/2010/main" w="9525">
+              <a14:hiddenLine xmlns:a14="http://schemas.microsoft.com/office/drawing/2010/main" w="9525">
                 <a:solidFill>
                   <a:schemeClr val="tx1"/>
                 </a:solidFill>
@@ -2867,7 +2848,7 @@
               </a14:hiddenLine>
             </a:ext>
             <a:ext uri="{AF507438-7753-43E0-B8FC-AC1667EBCBE1}">
-              <a14:hiddenEffects xmlns="" xmlns:a14="http://schemas.microsoft.com/office/drawing/2010/main">
+              <a14:hiddenEffects xmlns:a14="http://schemas.microsoft.com/office/drawing/2010/main">
                 <a:effectLst>
                   <a:outerShdw dist="35921" dir="2700000" algn="ctr" rotWithShape="0">
                     <a:schemeClr val="bg2"/>
@@ -2887,35 +2868,35 @@
           <a:p>
             <a:pPr lvl="0"/>
             <a:r>
-              <a:rPr lang="en-US" smtClean="0"/>
+              <a:rPr lang="en-US"/>
               <a:t>Click to edit Master text styles</a:t>
             </a:r>
           </a:p>
           <a:p>
             <a:pPr lvl="1"/>
             <a:r>
-              <a:rPr lang="en-US" smtClean="0"/>
+              <a:rPr lang="en-US"/>
               <a:t>Second level</a:t>
             </a:r>
           </a:p>
           <a:p>
             <a:pPr lvl="2"/>
             <a:r>
-              <a:rPr lang="en-US" smtClean="0"/>
+              <a:rPr lang="en-US"/>
               <a:t>Third level</a:t>
             </a:r>
           </a:p>
           <a:p>
             <a:pPr lvl="3"/>
             <a:r>
-              <a:rPr lang="en-US" smtClean="0"/>
+              <a:rPr lang="en-US"/>
               <a:t>Fourth level</a:t>
             </a:r>
           </a:p>
           <a:p>
             <a:pPr lvl="4"/>
             <a:r>
-              <a:rPr lang="en-US" smtClean="0"/>
+              <a:rPr lang="en-US"/>
               <a:t>Fifth level</a:t>
             </a:r>
           </a:p>
@@ -2946,14 +2927,14 @@
           <a:effectLst/>
           <a:extLst>
             <a:ext uri="{909E8E84-426E-40DD-AFC4-6F175D3DCCD1}">
-              <a14:hiddenFill xmlns="" xmlns:a14="http://schemas.microsoft.com/office/drawing/2010/main">
+              <a14:hiddenFill xmlns:a14="http://schemas.microsoft.com/office/drawing/2010/main">
                 <a:solidFill>
                   <a:schemeClr val="accent1"/>
                 </a:solidFill>
               </a14:hiddenFill>
             </a:ext>
             <a:ext uri="{91240B29-F687-4F45-9708-019B960494DF}">
-              <a14:hiddenLine xmlns="" xmlns:a14="http://schemas.microsoft.com/office/drawing/2010/main" w="9525">
+              <a14:hiddenLine xmlns:a14="http://schemas.microsoft.com/office/drawing/2010/main" w="9525">
                 <a:solidFill>
                   <a:schemeClr val="tx1"/>
                 </a:solidFill>
@@ -2963,7 +2944,7 @@
               </a14:hiddenLine>
             </a:ext>
             <a:ext uri="{AF507438-7753-43E0-B8FC-AC1667EBCBE1}">
-              <a14:hiddenEffects xmlns="" xmlns:a14="http://schemas.microsoft.com/office/drawing/2010/main">
+              <a14:hiddenEffects xmlns:a14="http://schemas.microsoft.com/office/drawing/2010/main">
                 <a:effectLst>
                   <a:outerShdw dist="35921" dir="2700000" algn="ctr" rotWithShape="0">
                     <a:schemeClr val="bg2"/>
@@ -3017,14 +2998,14 @@
           <a:effectLst/>
           <a:extLst>
             <a:ext uri="{909E8E84-426E-40DD-AFC4-6F175D3DCCD1}">
-              <a14:hiddenFill xmlns="" xmlns:a14="http://schemas.microsoft.com/office/drawing/2010/main">
+              <a14:hiddenFill xmlns:a14="http://schemas.microsoft.com/office/drawing/2010/main">
                 <a:solidFill>
                   <a:schemeClr val="accent1"/>
                 </a:solidFill>
               </a14:hiddenFill>
             </a:ext>
             <a:ext uri="{91240B29-F687-4F45-9708-019B960494DF}">
-              <a14:hiddenLine xmlns="" xmlns:a14="http://schemas.microsoft.com/office/drawing/2010/main" w="9525">
+              <a14:hiddenLine xmlns:a14="http://schemas.microsoft.com/office/drawing/2010/main" w="9525">
                 <a:solidFill>
                   <a:schemeClr val="tx1"/>
                 </a:solidFill>
@@ -3034,7 +3015,7 @@
               </a14:hiddenLine>
             </a:ext>
             <a:ext uri="{AF507438-7753-43E0-B8FC-AC1667EBCBE1}">
-              <a14:hiddenEffects xmlns="" xmlns:a14="http://schemas.microsoft.com/office/drawing/2010/main">
+              <a14:hiddenEffects xmlns:a14="http://schemas.microsoft.com/office/drawing/2010/main">
                 <a:effectLst>
                   <a:outerShdw dist="35921" dir="2700000" algn="ctr" rotWithShape="0">
                     <a:schemeClr val="bg2"/>
@@ -3088,14 +3069,14 @@
           <a:effectLst/>
           <a:extLst>
             <a:ext uri="{909E8E84-426E-40DD-AFC4-6F175D3DCCD1}">
-              <a14:hiddenFill xmlns="" xmlns:a14="http://schemas.microsoft.com/office/drawing/2010/main">
+              <a14:hiddenFill xmlns:a14="http://schemas.microsoft.com/office/drawing/2010/main">
                 <a:solidFill>
                   <a:schemeClr val="accent1"/>
                 </a:solidFill>
               </a14:hiddenFill>
             </a:ext>
             <a:ext uri="{91240B29-F687-4F45-9708-019B960494DF}">
-              <a14:hiddenLine xmlns="" xmlns:a14="http://schemas.microsoft.com/office/drawing/2010/main" w="9525">
+              <a14:hiddenLine xmlns:a14="http://schemas.microsoft.com/office/drawing/2010/main" w="9525">
                 <a:solidFill>
                   <a:schemeClr val="tx1"/>
                 </a:solidFill>
@@ -3105,7 +3086,7 @@
               </a14:hiddenLine>
             </a:ext>
             <a:ext uri="{AF507438-7753-43E0-B8FC-AC1667EBCBE1}">
-              <a14:hiddenEffects xmlns="" xmlns:a14="http://schemas.microsoft.com/office/drawing/2010/main">
+              <a14:hiddenEffects xmlns:a14="http://schemas.microsoft.com/office/drawing/2010/main">
                 <a:effectLst>
                   <a:outerShdw dist="35921" dir="2700000" algn="ctr" rotWithShape="0">
                     <a:schemeClr val="bg2"/>
@@ -3608,7 +3589,7 @@
               <a:buNone/>
               <a:tabLst/>
             </a:pPr>
-            <a:endParaRPr kumimoji="0" lang="en-US" sz="7200" b="0" i="0" u="none" strike="noStrike" cap="none" normalizeH="0" baseline="0" smtClean="0">
+            <a:endParaRPr kumimoji="0" lang="en-US" sz="7200" b="0" i="0" u="none" strike="noStrike" cap="none" normalizeH="0" baseline="0">
               <a:ln>
                 <a:noFill/>
               </a:ln>
@@ -3674,7 +3655,7 @@
               <a:buNone/>
               <a:tabLst/>
             </a:pPr>
-            <a:endParaRPr kumimoji="0" lang="en-US" sz="7200" b="0" i="0" u="none" strike="noStrike" cap="none" normalizeH="0" baseline="0" smtClean="0">
+            <a:endParaRPr kumimoji="0" lang="en-US" sz="7200" b="0" i="0" u="none" strike="noStrike" cap="none" normalizeH="0" baseline="0">
               <a:ln>
                 <a:noFill/>
               </a:ln>
@@ -3740,7 +3721,7 @@
               <a:buNone/>
               <a:tabLst/>
             </a:pPr>
-            <a:endParaRPr kumimoji="0" lang="en-US" sz="7200" b="0" i="0" u="none" strike="noStrike" cap="none" normalizeH="0" baseline="0" smtClean="0">
+            <a:endParaRPr kumimoji="0" lang="en-US" sz="7200" b="0" i="0" u="none" strike="noStrike" cap="none" normalizeH="0" baseline="0">
               <a:ln>
                 <a:noFill/>
               </a:ln>
@@ -3806,7 +3787,7 @@
               <a:buNone/>
               <a:tabLst/>
             </a:pPr>
-            <a:endParaRPr kumimoji="0" lang="en-US" sz="7200" b="0" i="0" u="none" strike="noStrike" cap="none" normalizeH="0" baseline="0" smtClean="0">
+            <a:endParaRPr kumimoji="0" lang="en-US" sz="7200" b="0" i="0" u="none" strike="noStrike" cap="none" normalizeH="0" baseline="0">
               <a:ln>
                 <a:noFill/>
               </a:ln>
@@ -3872,7 +3853,7 @@
               <a:buNone/>
               <a:tabLst/>
             </a:pPr>
-            <a:endParaRPr kumimoji="0" lang="en-US" sz="7200" b="0" i="0" u="none" strike="noStrike" cap="none" normalizeH="0" baseline="0" smtClean="0">
+            <a:endParaRPr kumimoji="0" lang="en-US" sz="7200" b="0" i="0" u="none" strike="noStrike" cap="none" normalizeH="0" baseline="0">
               <a:ln>
                 <a:noFill/>
               </a:ln>
@@ -3896,7 +3877,7 @@
         <p:spPr bwMode="auto">
           <a:xfrm>
             <a:off x="7773899" y="1204043"/>
-            <a:ext cx="11479901" cy="3709798"/>
+            <a:ext cx="11479901" cy="3036216"/>
           </a:xfrm>
           <a:prstGeom prst="rect">
             <a:avLst/>
@@ -3908,14 +3889,14 @@
           <a:effectLst/>
           <a:extLst>
             <a:ext uri="{909E8E84-426E-40DD-AFC4-6F175D3DCCD1}">
-              <a14:hiddenFill xmlns="" xmlns:a14="http://schemas.microsoft.com/office/drawing/2010/main">
+              <a14:hiddenFill xmlns:a14="http://schemas.microsoft.com/office/drawing/2010/main">
                 <a:solidFill>
                   <a:schemeClr val="accent1"/>
                 </a:solidFill>
               </a14:hiddenFill>
             </a:ext>
             <a:ext uri="{91240B29-F687-4F45-9708-019B960494DF}">
-              <a14:hiddenLine xmlns="" xmlns:a14="http://schemas.microsoft.com/office/drawing/2010/main" w="9525">
+              <a14:hiddenLine xmlns:a14="http://schemas.microsoft.com/office/drawing/2010/main" w="9525">
                 <a:solidFill>
                   <a:schemeClr val="tx1"/>
                 </a:solidFill>
@@ -3925,7 +3906,7 @@
               </a14:hiddenLine>
             </a:ext>
             <a:ext uri="{AF507438-7753-43E0-B8FC-AC1667EBCBE1}">
-              <a14:hiddenEffects xmlns="" xmlns:a14="http://schemas.microsoft.com/office/drawing/2010/main">
+              <a14:hiddenEffects xmlns:a14="http://schemas.microsoft.com/office/drawing/2010/main">
                 <a:effectLst>
                   <a:outerShdw dist="35921" dir="2700000" algn="ctr" rotWithShape="0">
                     <a:schemeClr val="bg2"/>
@@ -4044,7 +4025,7 @@
               </a:spcBef>
             </a:pPr>
             <a:r>
-              <a:rPr lang="en-US" sz="5188" b="1" i="1" dirty="0" smtClean="0">
+              <a:rPr lang="en-US" sz="5188" b="1" i="1" dirty="0">
                 <a:solidFill>
                   <a:srgbClr val="006699"/>
                 </a:solidFill>
@@ -4054,14 +4035,6 @@
               </a:rPr>
               <a:t>Emotion Recognition Using Facial Expressions </a:t>
             </a:r>
-            <a:endParaRPr lang="en-US" sz="5188" b="1" i="1" dirty="0">
-              <a:solidFill>
-                <a:srgbClr val="006699"/>
-              </a:solidFill>
-              <a:latin typeface="Tahoma" pitchFamily="34" charset="0"/>
-              <a:ea typeface="Tahoma" pitchFamily="34" charset="0"/>
-              <a:cs typeface="Tahoma" pitchFamily="34" charset="0"/>
-            </a:endParaRPr>
           </a:p>
           <a:p>
             <a:pPr algn="ctr" eaLnBrk="1" hangingPunct="1">
@@ -4093,57 +4066,17 @@
                 <a:latin typeface="Tahoma" pitchFamily="34" charset="0"/>
                 <a:cs typeface="Tahoma" pitchFamily="34" charset="0"/>
               </a:rPr>
-              <a:t>By: </a:t>
-            </a:r>
-            <a:r>
-              <a:rPr lang="en-US" sz="2918" dirty="0" smtClean="0">
+              <a:t>By: Gal Kashi &amp; Chen Eilon    Advisor: Amir </a:t>
+            </a:r>
+            <a:r>
+              <a:rPr lang="en-US" sz="2918" dirty="0" err="1">
                 <a:solidFill>
                   <a:srgbClr val="006699"/>
                 </a:solidFill>
                 <a:latin typeface="Tahoma" pitchFamily="34" charset="0"/>
                 <a:cs typeface="Tahoma" pitchFamily="34" charset="0"/>
               </a:rPr>
-              <a:t>Gal Kashi &amp; Chen Eilon    </a:t>
-            </a:r>
-            <a:r>
-              <a:rPr lang="en-US" sz="2918" dirty="0">
-                <a:solidFill>
-                  <a:srgbClr val="006699"/>
-                </a:solidFill>
-                <a:latin typeface="Tahoma" pitchFamily="34" charset="0"/>
-                <a:cs typeface="Tahoma" pitchFamily="34" charset="0"/>
-              </a:rPr>
-              <a:t>Advisor: </a:t>
-            </a:r>
-            <a:r>
-              <a:rPr lang="en-US" sz="2918" dirty="0" smtClean="0">
-                <a:solidFill>
-                  <a:srgbClr val="006699"/>
-                </a:solidFill>
-                <a:latin typeface="Tahoma" pitchFamily="34" charset="0"/>
-                <a:cs typeface="Tahoma" pitchFamily="34" charset="0"/>
-              </a:rPr>
-              <a:t>Amir </a:t>
-            </a:r>
-            <a:r>
-              <a:rPr lang="en-US" sz="2918" dirty="0" err="1" smtClean="0">
-                <a:solidFill>
-                  <a:srgbClr val="006699"/>
-                </a:solidFill>
-                <a:latin typeface="Tahoma" pitchFamily="34" charset="0"/>
-                <a:cs typeface="Tahoma" pitchFamily="34" charset="0"/>
-              </a:rPr>
-              <a:t>Glober</a:t>
-            </a:r>
-            <a:r>
-              <a:rPr lang="en-US" sz="2918" dirty="0" smtClean="0">
-                <a:solidFill>
-                  <a:srgbClr val="006699"/>
-                </a:solidFill>
-                <a:latin typeface="Tahoma" pitchFamily="34" charset="0"/>
-                <a:cs typeface="Tahoma" pitchFamily="34" charset="0"/>
-              </a:rPr>
-              <a:t>?</a:t>
+              <a:t>Globerson</a:t>
             </a:r>
             <a:endParaRPr lang="en-US" sz="2918" dirty="0">
               <a:solidFill>
@@ -4152,87 +4085,6 @@
               <a:latin typeface="Tahoma" pitchFamily="34" charset="0"/>
               <a:cs typeface="Tahoma" pitchFamily="34" charset="0"/>
             </a:endParaRPr>
-          </a:p>
-          <a:p>
-            <a:pPr algn="ctr" eaLnBrk="1" hangingPunct="1">
-              <a:spcBef>
-                <a:spcPct val="50000"/>
-              </a:spcBef>
-            </a:pPr>
-            <a:r>
-              <a:rPr lang="en-US" sz="2918" dirty="0">
-                <a:solidFill>
-                  <a:srgbClr val="006699"/>
-                </a:solidFill>
-                <a:latin typeface="Tahoma" pitchFamily="34" charset="0"/>
-                <a:cs typeface="Tahoma" pitchFamily="34" charset="0"/>
-              </a:rPr>
-              <a:t>Project </a:t>
-            </a:r>
-            <a:r>
-              <a:rPr lang="en-US" sz="2918" dirty="0" smtClean="0">
-                <a:solidFill>
-                  <a:srgbClr val="006699"/>
-                </a:solidFill>
-                <a:latin typeface="Tahoma" pitchFamily="34" charset="0"/>
-                <a:cs typeface="Tahoma" pitchFamily="34" charset="0"/>
-              </a:rPr>
-              <a:t>Carried </a:t>
-            </a:r>
-            <a:r>
-              <a:rPr lang="en-US" sz="2918" dirty="0">
-                <a:solidFill>
-                  <a:srgbClr val="006699"/>
-                </a:solidFill>
-                <a:latin typeface="Tahoma" pitchFamily="34" charset="0"/>
-                <a:cs typeface="Tahoma" pitchFamily="34" charset="0"/>
-              </a:rPr>
-              <a:t>Out at ________________</a:t>
-            </a:r>
-          </a:p>
-        </p:txBody>
-      </p:sp>
-      <p:sp>
-        <p:nvSpPr>
-          <p:cNvPr id="2" name="Rectangle 1"/>
-          <p:cNvSpPr/>
-          <p:nvPr/>
-        </p:nvSpPr>
-        <p:spPr bwMode="auto">
-          <a:xfrm>
-            <a:off x="19020332" y="1295916"/>
-            <a:ext cx="5136277" cy="2209485"/>
-          </a:xfrm>
-          <a:prstGeom prst="rect">
-            <a:avLst/>
-          </a:prstGeom>
-          <a:noFill/>
-          <a:ln w="9525" cap="flat" cmpd="sng" algn="ctr">
-            <a:solidFill>
-              <a:schemeClr val="tx1"/>
-            </a:solidFill>
-            <a:prstDash val="solid"/>
-            <a:round/>
-            <a:headEnd type="none" w="med" len="med"/>
-            <a:tailEnd type="none" w="med" len="med"/>
-          </a:ln>
-          <a:effectLst/>
-          <a:extLst/>
-        </p:spPr>
-        <p:txBody>
-          <a:bodyPr vert="horz" wrap="square" lIns="148235" tIns="74118" rIns="148235" bIns="74118" numCol="1" rtlCol="1" anchor="t" anchorCtr="0" compatLnSpc="1">
-            <a:prstTxWarp prst="textNoShape">
-              <a:avLst/>
-            </a:prstTxWarp>
-          </a:bodyPr>
-          <a:lstStyle/>
-          <a:p>
-            <a:pPr algn="ctr" defTabSz="1482334"/>
-            <a:r>
-              <a:rPr lang="en-US" sz="3242" dirty="0"/>
-              <a:t>You may add here the logo of the company where you made the project</a:t>
-            </a:r>
-            <a:endParaRPr lang="he-IL" sz="3242" dirty="0"/>
           </a:p>
         </p:txBody>
       </p:sp>
@@ -4258,7 +4110,7 @@
             </a:clrChange>
             <a:extLst>
               <a:ext uri="{28A0092B-C50C-407E-A947-70E740481C1C}">
-                <a14:useLocalDpi xmlns="" xmlns:a14="http://schemas.microsoft.com/office/drawing/2010/main" val="0"/>
+                <a14:useLocalDpi xmlns:a14="http://schemas.microsoft.com/office/drawing/2010/main" val="0"/>
               </a:ext>
             </a:extLst>
           </a:blip>
@@ -4299,14 +4151,14 @@
           <a:effectLst/>
           <a:extLst>
             <a:ext uri="{909E8E84-426E-40DD-AFC4-6F175D3DCCD1}">
-              <a14:hiddenFill xmlns="" xmlns:a14="http://schemas.microsoft.com/office/drawing/2010/main">
+              <a14:hiddenFill xmlns:a14="http://schemas.microsoft.com/office/drawing/2010/main">
                 <a:solidFill>
                   <a:schemeClr val="accent1"/>
                 </a:solidFill>
               </a14:hiddenFill>
             </a:ext>
             <a:ext uri="{91240B29-F687-4F45-9708-019B960494DF}">
-              <a14:hiddenLine xmlns="" xmlns:a14="http://schemas.microsoft.com/office/drawing/2010/main" w="9525">
+              <a14:hiddenLine xmlns:a14="http://schemas.microsoft.com/office/drawing/2010/main" w="9525">
                 <a:solidFill>
                   <a:schemeClr val="tx1"/>
                 </a:solidFill>
@@ -4316,7 +4168,7 @@
               </a14:hiddenLine>
             </a:ext>
             <a:ext uri="{AF507438-7753-43E0-B8FC-AC1667EBCBE1}">
-              <a14:hiddenEffects xmlns="" xmlns:a14="http://schemas.microsoft.com/office/drawing/2010/main">
+              <a14:hiddenEffects xmlns:a14="http://schemas.microsoft.com/office/drawing/2010/main">
                 <a:effectLst>
                   <a:outerShdw dist="35921" dir="2700000" algn="ctr" rotWithShape="0">
                     <a:schemeClr val="bg2"/>
@@ -4435,7 +4287,7 @@
               </a:spcBef>
             </a:pPr>
             <a:r>
-              <a:rPr lang="en-US" sz="2918" b="1" dirty="0" smtClean="0">
+              <a:rPr lang="en-US" sz="2918" b="1" dirty="0">
                 <a:solidFill>
                   <a:srgbClr val="006699"/>
                 </a:solidFill>
@@ -4452,7 +4304,7 @@
               </a:spcBef>
             </a:pPr>
             <a:r>
-              <a:rPr lang="en-US" sz="2000" dirty="0" smtClean="0">
+              <a:rPr lang="en-US" sz="2000" dirty="0">
                 <a:solidFill>
                   <a:srgbClr val="006699"/>
                 </a:solidFill>
@@ -4469,7 +4321,7 @@
               </a:spcBef>
             </a:pPr>
             <a:r>
-              <a:rPr lang="en-US" sz="2000" dirty="0" smtClean="0">
+              <a:rPr lang="en-US" sz="2000" dirty="0">
                 <a:solidFill>
                   <a:srgbClr val="006699"/>
                 </a:solidFill>
@@ -4478,13 +4330,6 @@
               </a:rPr>
               <a:t>In order to do that, we need to music application to process frames of the listener’s face and make decisions in Real-Time.</a:t>
             </a:r>
-            <a:endParaRPr lang="en-US" sz="2000" dirty="0">
-              <a:solidFill>
-                <a:srgbClr val="006699"/>
-              </a:solidFill>
-              <a:latin typeface="Tahoma" pitchFamily="34" charset="0"/>
-              <a:cs typeface="Tahoma" pitchFamily="34" charset="0"/>
-            </a:endParaRPr>
           </a:p>
         </p:txBody>
       </p:sp>
@@ -4511,14 +4356,14 @@
           <a:effectLst/>
           <a:extLst>
             <a:ext uri="{909E8E84-426E-40DD-AFC4-6F175D3DCCD1}">
-              <a14:hiddenFill xmlns="" xmlns:a14="http://schemas.microsoft.com/office/drawing/2010/main">
+              <a14:hiddenFill xmlns:a14="http://schemas.microsoft.com/office/drawing/2010/main">
                 <a:solidFill>
                   <a:schemeClr val="accent1"/>
                 </a:solidFill>
               </a14:hiddenFill>
             </a:ext>
             <a:ext uri="{91240B29-F687-4F45-9708-019B960494DF}">
-              <a14:hiddenLine xmlns="" xmlns:a14="http://schemas.microsoft.com/office/drawing/2010/main" w="9525">
+              <a14:hiddenLine xmlns:a14="http://schemas.microsoft.com/office/drawing/2010/main" w="9525">
                 <a:solidFill>
                   <a:schemeClr val="tx1"/>
                 </a:solidFill>
@@ -4528,7 +4373,7 @@
               </a14:hiddenLine>
             </a:ext>
             <a:ext uri="{AF507438-7753-43E0-B8FC-AC1667EBCBE1}">
-              <a14:hiddenEffects xmlns="" xmlns:a14="http://schemas.microsoft.com/office/drawing/2010/main">
+              <a14:hiddenEffects xmlns:a14="http://schemas.microsoft.com/office/drawing/2010/main">
                 <a:effectLst>
                   <a:outerShdw dist="35921" dir="2700000" algn="ctr" rotWithShape="0">
                     <a:schemeClr val="bg2"/>
@@ -4647,7 +4492,7 @@
               </a:spcBef>
             </a:pPr>
             <a:r>
-              <a:rPr lang="en-US" sz="2918" b="1" dirty="0" smtClean="0">
+              <a:rPr lang="en-US" sz="2918" b="1" dirty="0">
                 <a:solidFill>
                   <a:srgbClr val="006699"/>
                 </a:solidFill>
@@ -4664,7 +4509,7 @@
               </a:spcBef>
             </a:pPr>
             <a:r>
-              <a:rPr lang="en-US" sz="2000" dirty="0" smtClean="0">
+              <a:rPr lang="en-US" sz="2000" dirty="0">
                 <a:solidFill>
                   <a:srgbClr val="006699"/>
                 </a:solidFill>
@@ -4681,7 +4526,7 @@
               </a:spcBef>
             </a:pPr>
             <a:r>
-              <a:rPr lang="en-US" sz="2000" dirty="0" smtClean="0">
+              <a:rPr lang="en-US" sz="2000" dirty="0">
                 <a:solidFill>
                   <a:srgbClr val="006699"/>
                 </a:solidFill>
@@ -4716,14 +4561,14 @@
           <a:effectLst/>
           <a:extLst>
             <a:ext uri="{909E8E84-426E-40DD-AFC4-6F175D3DCCD1}">
-              <a14:hiddenFill xmlns="" xmlns:a14="http://schemas.microsoft.com/office/drawing/2010/main">
+              <a14:hiddenFill xmlns:a14="http://schemas.microsoft.com/office/drawing/2010/main">
                 <a:solidFill>
                   <a:schemeClr val="accent1"/>
                 </a:solidFill>
               </a14:hiddenFill>
             </a:ext>
             <a:ext uri="{91240B29-F687-4F45-9708-019B960494DF}">
-              <a14:hiddenLine xmlns="" xmlns:a14="http://schemas.microsoft.com/office/drawing/2010/main" w="9525">
+              <a14:hiddenLine xmlns:a14="http://schemas.microsoft.com/office/drawing/2010/main" w="9525">
                 <a:solidFill>
                   <a:schemeClr val="tx1"/>
                 </a:solidFill>
@@ -4733,7 +4578,7 @@
               </a14:hiddenLine>
             </a:ext>
             <a:ext uri="{AF507438-7753-43E0-B8FC-AC1667EBCBE1}">
-              <a14:hiddenEffects xmlns="" xmlns:a14="http://schemas.microsoft.com/office/drawing/2010/main">
+              <a14:hiddenEffects xmlns:a14="http://schemas.microsoft.com/office/drawing/2010/main">
                 <a:effectLst>
                   <a:outerShdw dist="35921" dir="2700000" algn="ctr" rotWithShape="0">
                     <a:schemeClr val="bg2"/>
@@ -4852,7 +4697,7 @@
               </a:spcBef>
             </a:pPr>
             <a:r>
-              <a:rPr lang="en-US" sz="2918" b="1" dirty="0" smtClean="0">
+              <a:rPr lang="en-US" sz="2918" b="1" dirty="0">
                 <a:solidFill>
                   <a:srgbClr val="006699"/>
                 </a:solidFill>
@@ -4868,7 +4713,7 @@
                 <a:spcPts val="0"/>
               </a:spcBef>
             </a:pPr>
-            <a:endParaRPr lang="en-US" sz="2000" dirty="0" smtClean="0">
+            <a:endParaRPr lang="en-US" sz="2000" dirty="0">
               <a:solidFill>
                 <a:srgbClr val="006699"/>
               </a:solidFill>
@@ -4883,7 +4728,7 @@
               </a:spcBef>
             </a:pPr>
             <a:r>
-              <a:rPr lang="en-US" sz="2000" dirty="0" smtClean="0">
+              <a:rPr lang="en-US" sz="2000" dirty="0">
                 <a:solidFill>
                   <a:srgbClr val="006699"/>
                 </a:solidFill>
@@ -4900,7 +4745,7 @@
               </a:spcBef>
             </a:pPr>
             <a:r>
-              <a:rPr lang="en-US" sz="2000" dirty="0" smtClean="0">
+              <a:rPr lang="en-US" sz="2000" dirty="0">
                 <a:solidFill>
                   <a:srgbClr val="006699"/>
                 </a:solidFill>
@@ -4917,7 +4762,7 @@
               </a:spcBef>
             </a:pPr>
             <a:r>
-              <a:rPr lang="en-US" sz="2000" dirty="0" smtClean="0">
+              <a:rPr lang="en-US" sz="2000" dirty="0">
                 <a:solidFill>
                   <a:srgbClr val="006699"/>
                 </a:solidFill>
@@ -4927,7 +4772,7 @@
               <a:t>borders and 68 landmarks (with trained NN from DLIB </a:t>
             </a:r>
             <a:r>
-              <a:rPr lang="en-US" sz="2000" dirty="0" err="1" smtClean="0">
+              <a:rPr lang="en-US" sz="2000" dirty="0" err="1">
                 <a:solidFill>
                   <a:srgbClr val="006699"/>
                 </a:solidFill>
@@ -4937,7 +4782,7 @@
               <a:t>libarary</a:t>
             </a:r>
             <a:r>
-              <a:rPr lang="en-US" sz="2000" dirty="0" smtClean="0">
+              <a:rPr lang="en-US" sz="2000" dirty="0">
                 <a:solidFill>
                   <a:srgbClr val="006699"/>
                 </a:solidFill>
@@ -4988,14 +4833,14 @@
           <a:effectLst/>
           <a:extLst>
             <a:ext uri="{909E8E84-426E-40DD-AFC4-6F175D3DCCD1}">
-              <a14:hiddenFill xmlns="" xmlns:a14="http://schemas.microsoft.com/office/drawing/2010/main">
+              <a14:hiddenFill xmlns:a14="http://schemas.microsoft.com/office/drawing/2010/main">
                 <a:solidFill>
                   <a:schemeClr val="accent1"/>
                 </a:solidFill>
               </a14:hiddenFill>
             </a:ext>
             <a:ext uri="{91240B29-F687-4F45-9708-019B960494DF}">
-              <a14:hiddenLine xmlns="" xmlns:a14="http://schemas.microsoft.com/office/drawing/2010/main" w="9525">
+              <a14:hiddenLine xmlns:a14="http://schemas.microsoft.com/office/drawing/2010/main" w="9525">
                 <a:solidFill>
                   <a:schemeClr val="tx1"/>
                 </a:solidFill>
@@ -5005,7 +4850,7 @@
               </a14:hiddenLine>
             </a:ext>
             <a:ext uri="{AF507438-7753-43E0-B8FC-AC1667EBCBE1}">
-              <a14:hiddenEffects xmlns="" xmlns:a14="http://schemas.microsoft.com/office/drawing/2010/main">
+              <a14:hiddenEffects xmlns:a14="http://schemas.microsoft.com/office/drawing/2010/main">
                 <a:effectLst>
                   <a:outerShdw dist="35921" dir="2700000" algn="ctr" rotWithShape="0">
                     <a:schemeClr val="bg2"/>
@@ -5124,7 +4969,7 @@
               </a:spcBef>
             </a:pPr>
             <a:r>
-              <a:rPr lang="en-US" sz="2918" b="1" dirty="0" smtClean="0">
+              <a:rPr lang="en-US" sz="2918" b="1" dirty="0">
                 <a:solidFill>
                   <a:srgbClr val="006699"/>
                 </a:solidFill>
@@ -5141,7 +4986,7 @@
               </a:spcBef>
             </a:pPr>
             <a:r>
-              <a:rPr lang="en-US" sz="2918" b="1" dirty="0" smtClean="0">
+              <a:rPr lang="en-US" sz="2918" b="1" dirty="0">
                 <a:solidFill>
                   <a:srgbClr val="006699"/>
                 </a:solidFill>
@@ -5158,7 +5003,7 @@
               </a:spcBef>
             </a:pPr>
             <a:r>
-              <a:rPr lang="en-US" sz="2000" dirty="0" smtClean="0">
+              <a:rPr lang="en-US" sz="2000" dirty="0">
                 <a:solidFill>
                   <a:srgbClr val="006699"/>
                 </a:solidFill>
@@ -5175,7 +5020,7 @@
               </a:spcBef>
             </a:pPr>
             <a:r>
-              <a:rPr lang="en-US" sz="2000" dirty="0" smtClean="0">
+              <a:rPr lang="en-US" sz="2000" dirty="0">
                 <a:solidFill>
                   <a:srgbClr val="006699"/>
                 </a:solidFill>
@@ -5192,7 +5037,7 @@
               </a:spcBef>
             </a:pPr>
             <a:r>
-              <a:rPr lang="en-US" sz="2920" b="1" dirty="0" smtClean="0">
+              <a:rPr lang="en-US" sz="2920" b="1" dirty="0">
                 <a:solidFill>
                   <a:srgbClr val="006699"/>
                 </a:solidFill>
@@ -5209,7 +5054,7 @@
               </a:spcBef>
             </a:pPr>
             <a:r>
-              <a:rPr lang="en-US" sz="2000" dirty="0" smtClean="0">
+              <a:rPr lang="en-US" sz="2000" dirty="0">
                 <a:solidFill>
                   <a:srgbClr val="006699"/>
                 </a:solidFill>
@@ -5226,7 +5071,7 @@
               </a:spcBef>
             </a:pPr>
             <a:r>
-              <a:rPr lang="en-US" sz="2000" dirty="0" smtClean="0">
+              <a:rPr lang="en-US" sz="2000" dirty="0">
                 <a:solidFill>
                   <a:srgbClr val="006699"/>
                 </a:solidFill>
@@ -5261,14 +5106,14 @@
           <a:effectLst/>
           <a:extLst>
             <a:ext uri="{909E8E84-426E-40DD-AFC4-6F175D3DCCD1}">
-              <a14:hiddenFill xmlns="" xmlns:a14="http://schemas.microsoft.com/office/drawing/2010/main">
+              <a14:hiddenFill xmlns:a14="http://schemas.microsoft.com/office/drawing/2010/main">
                 <a:solidFill>
                   <a:schemeClr val="accent1"/>
                 </a:solidFill>
               </a14:hiddenFill>
             </a:ext>
             <a:ext uri="{91240B29-F687-4F45-9708-019B960494DF}">
-              <a14:hiddenLine xmlns="" xmlns:a14="http://schemas.microsoft.com/office/drawing/2010/main" w="9525">
+              <a14:hiddenLine xmlns:a14="http://schemas.microsoft.com/office/drawing/2010/main" w="9525">
                 <a:solidFill>
                   <a:schemeClr val="tx1"/>
                 </a:solidFill>
@@ -5278,7 +5123,7 @@
               </a14:hiddenLine>
             </a:ext>
             <a:ext uri="{AF507438-7753-43E0-B8FC-AC1667EBCBE1}">
-              <a14:hiddenEffects xmlns="" xmlns:a14="http://schemas.microsoft.com/office/drawing/2010/main">
+              <a14:hiddenEffects xmlns:a14="http://schemas.microsoft.com/office/drawing/2010/main">
                 <a:effectLst>
                   <a:outerShdw dist="35921" dir="2700000" algn="ctr" rotWithShape="0">
                     <a:schemeClr val="bg2"/>
@@ -5397,7 +5242,7 @@
               </a:spcBef>
             </a:pPr>
             <a:r>
-              <a:rPr lang="en-US" sz="2918" b="1" dirty="0" smtClean="0">
+              <a:rPr lang="en-US" sz="2918" b="1" dirty="0">
                 <a:solidFill>
                   <a:srgbClr val="006699"/>
                 </a:solidFill>
@@ -5414,7 +5259,7 @@
               </a:spcBef>
             </a:pPr>
             <a:r>
-              <a:rPr lang="en-US" sz="2000" dirty="0" smtClean="0">
+              <a:rPr lang="en-US" sz="2000" dirty="0">
                 <a:solidFill>
                   <a:srgbClr val="006699"/>
                 </a:solidFill>
@@ -5449,14 +5294,14 @@
           <a:effectLst/>
           <a:extLst>
             <a:ext uri="{909E8E84-426E-40DD-AFC4-6F175D3DCCD1}">
-              <a14:hiddenFill xmlns="" xmlns:a14="http://schemas.microsoft.com/office/drawing/2010/main">
+              <a14:hiddenFill xmlns:a14="http://schemas.microsoft.com/office/drawing/2010/main">
                 <a:solidFill>
                   <a:schemeClr val="accent1"/>
                 </a:solidFill>
               </a14:hiddenFill>
             </a:ext>
             <a:ext uri="{91240B29-F687-4F45-9708-019B960494DF}">
-              <a14:hiddenLine xmlns="" xmlns:a14="http://schemas.microsoft.com/office/drawing/2010/main" w="9525">
+              <a14:hiddenLine xmlns:a14="http://schemas.microsoft.com/office/drawing/2010/main" w="9525">
                 <a:solidFill>
                   <a:schemeClr val="tx1"/>
                 </a:solidFill>
@@ -5466,7 +5311,7 @@
               </a14:hiddenLine>
             </a:ext>
             <a:ext uri="{AF507438-7753-43E0-B8FC-AC1667EBCBE1}">
-              <a14:hiddenEffects xmlns="" xmlns:a14="http://schemas.microsoft.com/office/drawing/2010/main">
+              <a14:hiddenEffects xmlns:a14="http://schemas.microsoft.com/office/drawing/2010/main">
                 <a:effectLst>
                   <a:outerShdw dist="35921" dir="2700000" algn="ctr" rotWithShape="0">
                     <a:schemeClr val="bg2"/>
@@ -5585,7 +5430,7 @@
               </a:spcBef>
             </a:pPr>
             <a:r>
-              <a:rPr lang="en-US" sz="2918" b="1" dirty="0" smtClean="0">
+              <a:rPr lang="en-US" sz="2918" b="1" dirty="0">
                 <a:solidFill>
                   <a:srgbClr val="006699"/>
                 </a:solidFill>
@@ -5602,7 +5447,7 @@
               </a:spcBef>
             </a:pPr>
             <a:r>
-              <a:rPr lang="en-US" sz="2000" dirty="0" smtClean="0">
+              <a:rPr lang="en-US" sz="2000" dirty="0">
                 <a:solidFill>
                   <a:srgbClr val="006699"/>
                 </a:solidFill>
@@ -5619,7 +5464,7 @@
               </a:spcBef>
             </a:pPr>
             <a:r>
-              <a:rPr lang="en-US" sz="2000" dirty="0" smtClean="0">
+              <a:rPr lang="en-US" sz="2000" dirty="0">
                 <a:solidFill>
                   <a:srgbClr val="006699"/>
                 </a:solidFill>
@@ -5628,13 +5473,6 @@
               </a:rPr>
               <a:t>We believe that this model could be improved by better learning of individuals, and by enlarging the dataset.</a:t>
             </a:r>
-            <a:endParaRPr lang="en-US" sz="2000" dirty="0">
-              <a:solidFill>
-                <a:srgbClr val="006699"/>
-              </a:solidFill>
-              <a:latin typeface="Tahoma" pitchFamily="34" charset="0"/>
-              <a:cs typeface="Tahoma" pitchFamily="34" charset="0"/>
-            </a:endParaRPr>
           </a:p>
         </p:txBody>
       </p:sp>
@@ -5661,14 +5499,14 @@
           <a:effectLst/>
           <a:extLst>
             <a:ext uri="{909E8E84-426E-40DD-AFC4-6F175D3DCCD1}">
-              <a14:hiddenFill xmlns="" xmlns:a14="http://schemas.microsoft.com/office/drawing/2010/main">
+              <a14:hiddenFill xmlns:a14="http://schemas.microsoft.com/office/drawing/2010/main">
                 <a:solidFill>
                   <a:schemeClr val="accent1"/>
                 </a:solidFill>
               </a14:hiddenFill>
             </a:ext>
             <a:ext uri="{91240B29-F687-4F45-9708-019B960494DF}">
-              <a14:hiddenLine xmlns="" xmlns:a14="http://schemas.microsoft.com/office/drawing/2010/main" w="9525">
+              <a14:hiddenLine xmlns:a14="http://schemas.microsoft.com/office/drawing/2010/main" w="9525">
                 <a:solidFill>
                   <a:schemeClr val="tx1"/>
                 </a:solidFill>
@@ -5678,7 +5516,7 @@
               </a14:hiddenLine>
             </a:ext>
             <a:ext uri="{AF507438-7753-43E0-B8FC-AC1667EBCBE1}">
-              <a14:hiddenEffects xmlns="" xmlns:a14="http://schemas.microsoft.com/office/drawing/2010/main">
+              <a14:hiddenEffects xmlns:a14="http://schemas.microsoft.com/office/drawing/2010/main">
                 <a:effectLst>
                   <a:outerShdw dist="35921" dir="2700000" algn="ctr" rotWithShape="0">
                     <a:schemeClr val="bg2"/>
@@ -5797,7 +5635,7 @@
               </a:spcBef>
             </a:pPr>
             <a:r>
-              <a:rPr lang="en-US" sz="2918" b="1" dirty="0" smtClean="0">
+              <a:rPr lang="en-US" sz="2918" b="1" dirty="0">
                 <a:solidFill>
                   <a:srgbClr val="006699"/>
                 </a:solidFill>
@@ -5816,7 +5654,7 @@
               <a:buChar char="•"/>
             </a:pPr>
             <a:r>
-              <a:rPr lang="en-US" sz="2000" dirty="0" smtClean="0">
+              <a:rPr lang="en-US" sz="2000" dirty="0">
                 <a:solidFill>
                   <a:srgbClr val="006699"/>
                 </a:solidFill>
@@ -5835,7 +5673,7 @@
               <a:buChar char="•"/>
             </a:pPr>
             <a:r>
-              <a:rPr lang="en-US" sz="2000" dirty="0" smtClean="0">
+              <a:rPr lang="en-US" sz="2000" dirty="0">
                 <a:solidFill>
                   <a:srgbClr val="006699"/>
                 </a:solidFill>
@@ -5854,7 +5692,7 @@
               <a:buChar char="•"/>
             </a:pPr>
             <a:r>
-              <a:rPr lang="en-US" sz="2000" dirty="0" smtClean="0">
+              <a:rPr lang="en-US" sz="2000" dirty="0">
                 <a:solidFill>
                   <a:srgbClr val="006699"/>
                 </a:solidFill>
@@ -5905,14 +5743,14 @@
           <a:effectLst/>
           <a:extLst>
             <a:ext uri="{909E8E84-426E-40DD-AFC4-6F175D3DCCD1}">
-              <a14:hiddenFill xmlns="" xmlns:a14="http://schemas.microsoft.com/office/drawing/2010/main">
+              <a14:hiddenFill xmlns:a14="http://schemas.microsoft.com/office/drawing/2010/main">
                 <a:solidFill>
                   <a:schemeClr val="accent1"/>
                 </a:solidFill>
               </a14:hiddenFill>
             </a:ext>
             <a:ext uri="{91240B29-F687-4F45-9708-019B960494DF}">
-              <a14:hiddenLine xmlns="" xmlns:a14="http://schemas.microsoft.com/office/drawing/2010/main" w="9525">
+              <a14:hiddenLine xmlns:a14="http://schemas.microsoft.com/office/drawing/2010/main" w="9525">
                 <a:solidFill>
                   <a:schemeClr val="tx1"/>
                 </a:solidFill>
@@ -5922,7 +5760,7 @@
               </a14:hiddenLine>
             </a:ext>
             <a:ext uri="{AF507438-7753-43E0-B8FC-AC1667EBCBE1}">
-              <a14:hiddenEffects xmlns="" xmlns:a14="http://schemas.microsoft.com/office/drawing/2010/main">
+              <a14:hiddenEffects xmlns:a14="http://schemas.microsoft.com/office/drawing/2010/main">
                 <a:effectLst>
                   <a:outerShdw dist="35921" dir="2700000" algn="ctr" rotWithShape="0">
                     <a:schemeClr val="bg2"/>
@@ -6041,7 +5879,7 @@
               </a:spcBef>
             </a:pPr>
             <a:r>
-              <a:rPr lang="en-US" sz="3000" b="1" dirty="0" smtClean="0">
+              <a:rPr lang="en-US" sz="3000" b="1" dirty="0">
                 <a:solidFill>
                   <a:srgbClr val="006699"/>
                 </a:solidFill>
@@ -6058,7 +5896,7 @@
               </a:spcBef>
             </a:pPr>
             <a:r>
-              <a:rPr lang="en-US" sz="2000" dirty="0" smtClean="0">
+              <a:rPr lang="en-US" sz="2000" dirty="0">
                 <a:solidFill>
                   <a:srgbClr val="006699"/>
                 </a:solidFill>
@@ -6075,7 +5913,7 @@
               </a:spcBef>
             </a:pPr>
             <a:r>
-              <a:rPr lang="en-US" sz="2000" b="1" dirty="0" smtClean="0">
+              <a:rPr lang="en-US" sz="2000" b="1" dirty="0">
                 <a:solidFill>
                   <a:srgbClr val="006699"/>
                 </a:solidFill>
@@ -6085,7 +5923,7 @@
               <a:t>“The most important thing in communication is hearing what isn’t said.” </a:t>
             </a:r>
             <a:r>
-              <a:rPr lang="en-US" sz="2000" dirty="0" smtClean="0">
+              <a:rPr lang="en-US" sz="2000" dirty="0">
                 <a:solidFill>
                   <a:srgbClr val="006699"/>
                 </a:solidFill>
@@ -6095,7 +5933,7 @@
               <a:t>– Peter F. </a:t>
             </a:r>
             <a:r>
-              <a:rPr lang="en-US" sz="2000" dirty="0" err="1" smtClean="0">
+              <a:rPr lang="en-US" sz="2000" dirty="0" err="1">
                 <a:solidFill>
                   <a:srgbClr val="006699"/>
                 </a:solidFill>
@@ -6104,7 +5942,7 @@
               </a:rPr>
               <a:t>Drucker</a:t>
             </a:r>
-            <a:endParaRPr lang="en-US" sz="2000" dirty="0" smtClean="0">
+            <a:endParaRPr lang="en-US" sz="2000" dirty="0">
               <a:solidFill>
                 <a:srgbClr val="006699"/>
               </a:solidFill>
@@ -6119,7 +5957,7 @@
               </a:spcBef>
             </a:pPr>
             <a:r>
-              <a:rPr lang="en-US" sz="2000" dirty="0" smtClean="0">
+              <a:rPr lang="en-US" sz="2000" dirty="0">
                 <a:solidFill>
                   <a:srgbClr val="006699"/>
                 </a:solidFill>
@@ -6136,27 +5974,17 @@
               </a:spcBef>
             </a:pPr>
             <a:r>
-              <a:rPr lang="en-US" sz="2000" dirty="0" smtClean="0">
+              <a:rPr lang="en-US" sz="2000" dirty="0">
                 <a:solidFill>
                   <a:srgbClr val="006699"/>
                 </a:solidFill>
                 <a:latin typeface="Tahoma" pitchFamily="34" charset="0"/>
                 <a:cs typeface="Tahoma" pitchFamily="34" charset="0"/>
               </a:rPr>
-              <a:t>In order to help </a:t>
-            </a:r>
-            <a:r>
-              <a:rPr lang="en-US" sz="2000" dirty="0">
-                <a:solidFill>
-                  <a:srgbClr val="006699"/>
-                </a:solidFill>
-                <a:latin typeface="Tahoma" pitchFamily="34" charset="0"/>
-                <a:cs typeface="Tahoma" pitchFamily="34" charset="0"/>
-              </a:rPr>
-              <a:t>technology </a:t>
-            </a:r>
-            <a:r>
-              <a:rPr lang="en-US" sz="2000" b="1" dirty="0" smtClean="0">
+              <a:t>In order to help technology </a:t>
+            </a:r>
+            <a:r>
+              <a:rPr lang="en-US" sz="2000" b="1" dirty="0">
                 <a:solidFill>
                   <a:srgbClr val="006699"/>
                 </a:solidFill>
@@ -6166,7 +5994,7 @@
               <a:t>communicate better </a:t>
             </a:r>
             <a:r>
-              <a:rPr lang="en-US" sz="2000" dirty="0" smtClean="0">
+              <a:rPr lang="en-US" sz="2000" dirty="0">
                 <a:solidFill>
                   <a:srgbClr val="006699"/>
                 </a:solidFill>
@@ -6190,7 +6018,7 @@
               </a:spcBef>
             </a:pPr>
             <a:r>
-              <a:rPr lang="en-US" sz="2000" dirty="0" smtClean="0">
+              <a:rPr lang="en-US" sz="2000" dirty="0">
                 <a:solidFill>
                   <a:srgbClr val="006699"/>
                 </a:solidFill>
@@ -6200,7 +6028,7 @@
               <a:t>This is where </a:t>
             </a:r>
             <a:r>
-              <a:rPr lang="en-US" sz="2000" b="1" dirty="0" smtClean="0">
+              <a:rPr lang="en-US" sz="2000" b="1" dirty="0">
                 <a:solidFill>
                   <a:srgbClr val="006699"/>
                 </a:solidFill>
@@ -6210,7 +6038,7 @@
               <a:t>Emotion Recognition</a:t>
             </a:r>
             <a:r>
-              <a:rPr lang="en-US" sz="2000" dirty="0" smtClean="0">
+              <a:rPr lang="en-US" sz="2000" dirty="0">
                 <a:solidFill>
                   <a:srgbClr val="006699"/>
                 </a:solidFill>
@@ -6227,44 +6055,24 @@
               </a:spcBef>
             </a:pPr>
             <a:r>
-              <a:rPr lang="en-US" sz="2000" dirty="0" smtClean="0">
+              <a:rPr lang="en-US" sz="2000" dirty="0">
                 <a:solidFill>
                   <a:srgbClr val="006699"/>
                 </a:solidFill>
                 <a:latin typeface="Tahoma" pitchFamily="34" charset="0"/>
                 <a:cs typeface="Tahoma" pitchFamily="34" charset="0"/>
               </a:rPr>
-              <a:t>If we could have analyze human’s </a:t>
-            </a:r>
+              <a:t>If we could have analyze human’s emotions in addition to words, we would be able to offer them a much better automatic adjusted response. </a:t>
+            </a:r>
+          </a:p>
+          <a:p>
+            <a:pPr algn="ctr" eaLnBrk="1" hangingPunct="1">
+              <a:spcBef>
+                <a:spcPct val="50000"/>
+              </a:spcBef>
+            </a:pPr>
             <a:r>
               <a:rPr lang="en-US" sz="2000" dirty="0">
-                <a:solidFill>
-                  <a:srgbClr val="006699"/>
-                </a:solidFill>
-                <a:latin typeface="Tahoma" pitchFamily="34" charset="0"/>
-                <a:cs typeface="Tahoma" pitchFamily="34" charset="0"/>
-              </a:rPr>
-              <a:t>emotions </a:t>
-            </a:r>
-            <a:r>
-              <a:rPr lang="en-US" sz="2000" dirty="0" smtClean="0">
-                <a:solidFill>
-                  <a:srgbClr val="006699"/>
-                </a:solidFill>
-                <a:latin typeface="Tahoma" pitchFamily="34" charset="0"/>
-                <a:cs typeface="Tahoma" pitchFamily="34" charset="0"/>
-              </a:rPr>
-              <a:t>in addition to words, we would be able to offer them a much better automatic adjusted response. </a:t>
-            </a:r>
-          </a:p>
-          <a:p>
-            <a:pPr algn="ctr" eaLnBrk="1" hangingPunct="1">
-              <a:spcBef>
-                <a:spcPct val="50000"/>
-              </a:spcBef>
-            </a:pPr>
-            <a:r>
-              <a:rPr lang="en-US" sz="2000" dirty="0" smtClean="0">
                 <a:solidFill>
                   <a:srgbClr val="006699"/>
                 </a:solidFill>
@@ -6281,74 +6089,14 @@
               </a:spcBef>
             </a:pPr>
             <a:r>
-              <a:rPr lang="en-US" sz="2000" dirty="0" smtClean="0">
+              <a:rPr lang="en-US" sz="2000" dirty="0">
                 <a:solidFill>
                   <a:srgbClr val="006699"/>
                 </a:solidFill>
                 <a:latin typeface="Tahoma" pitchFamily="34" charset="0"/>
                 <a:cs typeface="Tahoma" pitchFamily="34" charset="0"/>
               </a:rPr>
-              <a:t>According to </a:t>
-            </a:r>
-            <a:r>
-              <a:rPr lang="en-US" sz="2000" dirty="0">
-                <a:solidFill>
-                  <a:srgbClr val="006699"/>
-                </a:solidFill>
-                <a:latin typeface="Tahoma" pitchFamily="34" charset="0"/>
-                <a:cs typeface="Tahoma" pitchFamily="34" charset="0"/>
-              </a:rPr>
-              <a:t>Paul </a:t>
-            </a:r>
-            <a:r>
-              <a:rPr lang="en-US" sz="2000" dirty="0" smtClean="0">
-                <a:solidFill>
-                  <a:srgbClr val="006699"/>
-                </a:solidFill>
-                <a:latin typeface="Tahoma" pitchFamily="34" charset="0"/>
-                <a:cs typeface="Tahoma" pitchFamily="34" charset="0"/>
-              </a:rPr>
-              <a:t>Ekman, there </a:t>
-            </a:r>
-            <a:r>
-              <a:rPr lang="en-US" sz="2000" dirty="0">
-                <a:solidFill>
-                  <a:srgbClr val="006699"/>
-                </a:solidFill>
-                <a:latin typeface="Tahoma" pitchFamily="34" charset="0"/>
-                <a:cs typeface="Tahoma" pitchFamily="34" charset="0"/>
-              </a:rPr>
-              <a:t>are six basic emotions that are expressed by certain facial expressions that are shared by people in all </a:t>
-            </a:r>
-            <a:r>
-              <a:rPr lang="en-US" sz="2000" dirty="0" smtClean="0">
-                <a:solidFill>
-                  <a:srgbClr val="006699"/>
-                </a:solidFill>
-                <a:latin typeface="Tahoma" pitchFamily="34" charset="0"/>
-                <a:cs typeface="Tahoma" pitchFamily="34" charset="0"/>
-              </a:rPr>
-              <a:t>cultures</a:t>
-            </a:r>
-            <a:r>
-              <a:rPr lang="en-US" sz="2000" dirty="0">
-                <a:solidFill>
-                  <a:srgbClr val="006699"/>
-                </a:solidFill>
-                <a:latin typeface="Tahoma" pitchFamily="34" charset="0"/>
-                <a:cs typeface="Tahoma" pitchFamily="34" charset="0"/>
-              </a:rPr>
-              <a:t>:</a:t>
-            </a:r>
-            <a:r>
-              <a:rPr lang="en-US" sz="2000" dirty="0" smtClean="0">
-                <a:solidFill>
-                  <a:srgbClr val="006699"/>
-                </a:solidFill>
-                <a:latin typeface="Tahoma" pitchFamily="34" charset="0"/>
-                <a:cs typeface="Tahoma" pitchFamily="34" charset="0"/>
-              </a:rPr>
-              <a:t> </a:t>
+              <a:t>According to Paul Ekman, there are six basic emotions that are expressed by certain facial expressions that are shared by people in all cultures: </a:t>
             </a:r>
             <a:r>
               <a:rPr lang="en-US" sz="2000" b="1" dirty="0">
@@ -6360,13 +6108,6 @@
               </a:rPr>
               <a:t>anger, happiness, surprise, disgust, sadness, and fear.</a:t>
             </a:r>
-            <a:endParaRPr lang="en-US" sz="2000" b="1" dirty="0" smtClean="0">
-              <a:solidFill>
-                <a:srgbClr val="006699"/>
-              </a:solidFill>
-              <a:latin typeface="Tahoma" pitchFamily="34" charset="0"/>
-              <a:cs typeface="Tahoma" pitchFamily="34" charset="0"/>
-            </a:endParaRPr>
           </a:p>
         </p:txBody>
       </p:sp>
@@ -6422,14 +6163,14 @@
           <a:effectLst/>
           <a:extLst>
             <a:ext uri="{909E8E84-426E-40DD-AFC4-6F175D3DCCD1}">
-              <a14:hiddenFill xmlns="" xmlns:a14="http://schemas.microsoft.com/office/drawing/2010/main">
+              <a14:hiddenFill xmlns:a14="http://schemas.microsoft.com/office/drawing/2010/main">
                 <a:solidFill>
                   <a:schemeClr val="accent1"/>
                 </a:solidFill>
               </a14:hiddenFill>
             </a:ext>
             <a:ext uri="{91240B29-F687-4F45-9708-019B960494DF}">
-              <a14:hiddenLine xmlns="" xmlns:a14="http://schemas.microsoft.com/office/drawing/2010/main" w="9525">
+              <a14:hiddenLine xmlns:a14="http://schemas.microsoft.com/office/drawing/2010/main" w="9525">
                 <a:solidFill>
                   <a:schemeClr val="tx1"/>
                 </a:solidFill>
@@ -6439,7 +6180,7 @@
               </a14:hiddenLine>
             </a:ext>
             <a:ext uri="{AF507438-7753-43E0-B8FC-AC1667EBCBE1}">
-              <a14:hiddenEffects xmlns="" xmlns:a14="http://schemas.microsoft.com/office/drawing/2010/main">
+              <a14:hiddenEffects xmlns:a14="http://schemas.microsoft.com/office/drawing/2010/main">
                 <a:effectLst>
                   <a:outerShdw dist="35921" dir="2700000" algn="ctr" rotWithShape="0">
                     <a:schemeClr val="bg2"/>
@@ -6558,7 +6299,7 @@
               </a:spcBef>
             </a:pPr>
             <a:r>
-              <a:rPr lang="en-US" sz="2918" b="1" dirty="0" smtClean="0">
+              <a:rPr lang="en-US" sz="2918" b="1" dirty="0">
                 <a:solidFill>
                   <a:srgbClr val="006699"/>
                 </a:solidFill>
@@ -6575,7 +6316,7 @@
               </a:spcBef>
             </a:pPr>
             <a:r>
-              <a:rPr lang="en-US" sz="2000" dirty="0" smtClean="0">
+              <a:rPr lang="en-US" sz="2000" dirty="0">
                 <a:solidFill>
                   <a:srgbClr val="006699"/>
                 </a:solidFill>
@@ -6594,7 +6335,7 @@
               <a:buChar char="•"/>
             </a:pPr>
             <a:r>
-              <a:rPr lang="en-US" sz="2000" dirty="0" err="1" smtClean="0">
+              <a:rPr lang="en-US" sz="2000" dirty="0" err="1">
                 <a:solidFill>
                   <a:srgbClr val="006699"/>
                 </a:solidFill>
@@ -6603,7 +6344,7 @@
               </a:rPr>
               <a:t>Affectnet</a:t>
             </a:r>
-            <a:endParaRPr lang="en-US" sz="2000" dirty="0" smtClean="0">
+            <a:endParaRPr lang="en-US" sz="2000" dirty="0">
               <a:solidFill>
                 <a:srgbClr val="006699"/>
               </a:solidFill>
@@ -6620,7 +6361,7 @@
               <a:buChar char="•"/>
             </a:pPr>
             <a:r>
-              <a:rPr lang="en-US" sz="2000" dirty="0" smtClean="0">
+              <a:rPr lang="en-US" sz="2000" dirty="0">
                 <a:solidFill>
                   <a:srgbClr val="006699"/>
                 </a:solidFill>
@@ -6639,7 +6380,7 @@
               <a:buChar char="•"/>
             </a:pPr>
             <a:r>
-              <a:rPr lang="en-US" sz="2000" dirty="0" smtClean="0">
+              <a:rPr lang="en-US" sz="2000" dirty="0">
                 <a:solidFill>
                   <a:srgbClr val="006699"/>
                 </a:solidFill>
@@ -6658,7 +6399,7 @@
               <a:buChar char="•"/>
             </a:pPr>
             <a:r>
-              <a:rPr lang="en-US" sz="2000" dirty="0" smtClean="0">
+              <a:rPr lang="en-US" sz="2000" dirty="0">
                 <a:solidFill>
                   <a:srgbClr val="006699"/>
                 </a:solidFill>
@@ -6675,7 +6416,7 @@
               </a:spcBef>
             </a:pPr>
             <a:r>
-              <a:rPr lang="en-US" sz="2000" dirty="0" smtClean="0">
+              <a:rPr lang="en-US" sz="2000" dirty="0">
                 <a:solidFill>
                   <a:srgbClr val="006699"/>
                 </a:solidFill>
@@ -6715,7 +6456,7 @@
               </a:spcBef>
             </a:pPr>
             <a:r>
-              <a:rPr lang="en-US" sz="2918" b="1" dirty="0" smtClean="0">
+              <a:rPr lang="en-US" sz="2918" b="1" dirty="0">
                 <a:solidFill>
                   <a:srgbClr val="006699"/>
                 </a:solidFill>
@@ -6732,7 +6473,7 @@
               </a:spcBef>
             </a:pPr>
             <a:r>
-              <a:rPr lang="en-US" sz="2000" dirty="0" smtClean="0">
+              <a:rPr lang="en-US" sz="2000" dirty="0">
                 <a:solidFill>
                   <a:srgbClr val="006699"/>
                 </a:solidFill>
@@ -6749,7 +6490,7 @@
               </a:spcBef>
             </a:pPr>
             <a:r>
-              <a:rPr lang="en-US" sz="2000" dirty="0" smtClean="0">
+              <a:rPr lang="en-US" sz="2000" dirty="0">
                 <a:solidFill>
                   <a:srgbClr val="006699"/>
                 </a:solidFill>
@@ -6766,7 +6507,7 @@
               </a:spcBef>
             </a:pPr>
             <a:r>
-              <a:rPr lang="en-US" sz="2000" dirty="0" smtClean="0">
+              <a:rPr lang="en-US" sz="2000" dirty="0">
                 <a:solidFill>
                   <a:srgbClr val="006699"/>
                 </a:solidFill>
@@ -6843,14 +6584,14 @@
           <a:effectLst/>
           <a:extLst>
             <a:ext uri="{909E8E84-426E-40DD-AFC4-6F175D3DCCD1}">
-              <a14:hiddenFill xmlns="" xmlns:a14="http://schemas.microsoft.com/office/drawing/2010/main">
+              <a14:hiddenFill xmlns:a14="http://schemas.microsoft.com/office/drawing/2010/main">
                 <a:solidFill>
                   <a:schemeClr val="accent1"/>
                 </a:solidFill>
               </a14:hiddenFill>
             </a:ext>
             <a:ext uri="{91240B29-F687-4F45-9708-019B960494DF}">
-              <a14:hiddenLine xmlns="" xmlns:a14="http://schemas.microsoft.com/office/drawing/2010/main" w="9525">
+              <a14:hiddenLine xmlns:a14="http://schemas.microsoft.com/office/drawing/2010/main" w="9525">
                 <a:solidFill>
                   <a:schemeClr val="tx1"/>
                 </a:solidFill>
@@ -6860,7 +6601,7 @@
               </a14:hiddenLine>
             </a:ext>
             <a:ext uri="{AF507438-7753-43E0-B8FC-AC1667EBCBE1}">
-              <a14:hiddenEffects xmlns="" xmlns:a14="http://schemas.microsoft.com/office/drawing/2010/main">
+              <a14:hiddenEffects xmlns:a14="http://schemas.microsoft.com/office/drawing/2010/main">
                 <a:effectLst>
                   <a:outerShdw dist="35921" dir="2700000" algn="ctr" rotWithShape="0">
                     <a:schemeClr val="bg2"/>
@@ -6979,7 +6720,7 @@
               </a:spcBef>
             </a:pPr>
             <a:r>
-              <a:rPr lang="en-US" sz="2918" b="1" dirty="0" smtClean="0">
+              <a:rPr lang="en-US" sz="2918" b="1" dirty="0">
                 <a:solidFill>
                   <a:srgbClr val="006699"/>
                 </a:solidFill>
@@ -6996,7 +6737,7 @@
               </a:spcBef>
             </a:pPr>
             <a:r>
-              <a:rPr lang="en-US" sz="2000" dirty="0" smtClean="0">
+              <a:rPr lang="en-US" sz="2000" dirty="0">
                 <a:solidFill>
                   <a:srgbClr val="006699"/>
                 </a:solidFill>
@@ -7027,13 +6768,6 @@
   <p:clrMapOvr>
     <a:masterClrMapping/>
   </p:clrMapOvr>
-  <p:timing>
-    <p:tnLst>
-      <p:par>
-        <p:cTn id="1" dur="indefinite" restart="never" nodeType="tmRoot"/>
-      </p:par>
-    </p:tnLst>
-  </p:timing>
 </p:sld>
 </file>
 
@@ -7287,7 +7021,7 @@
         <a:effectLst/>
         <a:extLst>
           <a:ext uri="{AF507438-7753-43E0-B8FC-AC1667EBCBE1}">
-            <a14:hiddenEffects xmlns="" xmlns:a14="http://schemas.microsoft.com/office/drawing/2010/main">
+            <a14:hiddenEffects xmlns:a14="http://schemas.microsoft.com/office/drawing/2010/main">
               <a:effectLst>
                 <a:outerShdw dist="35921" dir="2700000" algn="ctr" rotWithShape="0">
                   <a:schemeClr val="bg2"/>
@@ -7360,7 +7094,7 @@
         <a:effectLst/>
         <a:extLst>
           <a:ext uri="{AF507438-7753-43E0-B8FC-AC1667EBCBE1}">
-            <a14:hiddenEffects xmlns="" xmlns:a14="http://schemas.microsoft.com/office/drawing/2010/main">
+            <a14:hiddenEffects xmlns:a14="http://schemas.microsoft.com/office/drawing/2010/main">
               <a:effectLst>
                 <a:outerShdw dist="35921" dir="2700000" algn="ctr" rotWithShape="0">
                   <a:schemeClr val="bg2"/>

--- a/Documents/EmotionalRecognitionPoster.pptx
+++ b/Documents/EmotionalRecognitionPoster.pptx
@@ -4328,7 +4328,27 @@
                 <a:latin typeface="Tahoma" pitchFamily="34" charset="0"/>
                 <a:cs typeface="Tahoma" pitchFamily="34" charset="0"/>
               </a:rPr>
-              <a:t>In order to do that, we need to music application to process frames of the listener’s face and make decisions in Real-Time.</a:t>
+              <a:t>In order to do that, we </a:t>
+            </a:r>
+            <a:r>
+              <a:rPr lang="en-US" sz="2000">
+                <a:solidFill>
+                  <a:srgbClr val="006699"/>
+                </a:solidFill>
+                <a:latin typeface="Tahoma" pitchFamily="34" charset="0"/>
+                <a:cs typeface="Tahoma" pitchFamily="34" charset="0"/>
+              </a:rPr>
+              <a:t>need the </a:t>
+            </a:r>
+            <a:r>
+              <a:rPr lang="en-US" sz="2000" dirty="0">
+                <a:solidFill>
+                  <a:srgbClr val="006699"/>
+                </a:solidFill>
+                <a:latin typeface="Tahoma" pitchFamily="34" charset="0"/>
+                <a:cs typeface="Tahoma" pitchFamily="34" charset="0"/>
+              </a:rPr>
+              <a:t>music application to process frames of the listener’s face and make decisions in Real-Time.</a:t>
             </a:r>
           </a:p>
         </p:txBody>
@@ -5964,7 +5984,7 @@
                 <a:latin typeface="Tahoma" pitchFamily="34" charset="0"/>
                 <a:cs typeface="Tahoma" pitchFamily="34" charset="0"/>
               </a:rPr>
-              <a:t>Nowadays,  communication is not limited to living creatures only, but to machines as well. Meaning, Machines are now starting to exchange data with humans. </a:t>
+              <a:t>Nowadays, communication is not limited to living creatures only, but to machines as well. Meaning, Machines are now starting to exchange data with humans. </a:t>
             </a:r>
           </a:p>
           <a:p>

--- a/Documents/EmotionalRecognitionPoster.pptx
+++ b/Documents/EmotionalRecognitionPoster.pptx
@@ -4789,17 +4789,17 @@
                 <a:latin typeface="Tahoma" pitchFamily="34" charset="0"/>
                 <a:cs typeface="Tahoma" pitchFamily="34" charset="0"/>
               </a:rPr>
-              <a:t>borders and 68 landmarks (with trained NN from DLIB </a:t>
-            </a:r>
-            <a:r>
-              <a:rPr lang="en-US" sz="2000" dirty="0" err="1">
+              <a:t>borders and 68 landmarks (with trained NN from </a:t>
+            </a:r>
+            <a:r>
+              <a:rPr lang="en-US" sz="2000">
                 <a:solidFill>
                   <a:srgbClr val="006699"/>
                 </a:solidFill>
                 <a:latin typeface="Tahoma" pitchFamily="34" charset="0"/>
                 <a:cs typeface="Tahoma" pitchFamily="34" charset="0"/>
               </a:rPr>
-              <a:t>libarary</a:t>
+              <a:t>DLIB library</a:t>
             </a:r>
             <a:r>
               <a:rPr lang="en-US" sz="2000" dirty="0">
